--- a/2. Relational Model.pptx
+++ b/2. Relational Model.pptx
@@ -5,10 +5,10 @@
     <p:sldMasterId id="2147483649" r:id="rId1"/>
   </p:sldMasterIdLst>
   <p:notesMasterIdLst>
-    <p:notesMasterId r:id="rId68"/>
+    <p:notesMasterId r:id="rId64"/>
   </p:notesMasterIdLst>
   <p:handoutMasterIdLst>
-    <p:handoutMasterId r:id="rId69"/>
+    <p:handoutMasterId r:id="rId65"/>
   </p:handoutMasterIdLst>
   <p:sldIdLst>
     <p:sldId id="396" r:id="rId2"/>
@@ -49,34 +49,30 @@
     <p:sldId id="421" r:id="rId37"/>
     <p:sldId id="422" r:id="rId38"/>
     <p:sldId id="423" r:id="rId39"/>
-    <p:sldId id="405" r:id="rId40"/>
-    <p:sldId id="409" r:id="rId41"/>
-    <p:sldId id="410" r:id="rId42"/>
-    <p:sldId id="408" r:id="rId43"/>
-    <p:sldId id="411" r:id="rId44"/>
-    <p:sldId id="425" r:id="rId45"/>
-    <p:sldId id="426" r:id="rId46"/>
-    <p:sldId id="412" r:id="rId47"/>
-    <p:sldId id="427" r:id="rId48"/>
-    <p:sldId id="428" r:id="rId49"/>
-    <p:sldId id="429" r:id="rId50"/>
-    <p:sldId id="430" r:id="rId51"/>
-    <p:sldId id="431" r:id="rId52"/>
-    <p:sldId id="432" r:id="rId53"/>
-    <p:sldId id="433" r:id="rId54"/>
-    <p:sldId id="435" r:id="rId55"/>
-    <p:sldId id="436" r:id="rId56"/>
-    <p:sldId id="437" r:id="rId57"/>
-    <p:sldId id="438" r:id="rId58"/>
-    <p:sldId id="439" r:id="rId59"/>
-    <p:sldId id="440" r:id="rId60"/>
-    <p:sldId id="441" r:id="rId61"/>
-    <p:sldId id="442" r:id="rId62"/>
-    <p:sldId id="443" r:id="rId63"/>
-    <p:sldId id="444" r:id="rId64"/>
-    <p:sldId id="448" r:id="rId65"/>
-    <p:sldId id="449" r:id="rId66"/>
-    <p:sldId id="445" r:id="rId67"/>
+    <p:sldId id="411" r:id="rId40"/>
+    <p:sldId id="425" r:id="rId41"/>
+    <p:sldId id="426" r:id="rId42"/>
+    <p:sldId id="412" r:id="rId43"/>
+    <p:sldId id="427" r:id="rId44"/>
+    <p:sldId id="428" r:id="rId45"/>
+    <p:sldId id="429" r:id="rId46"/>
+    <p:sldId id="430" r:id="rId47"/>
+    <p:sldId id="431" r:id="rId48"/>
+    <p:sldId id="432" r:id="rId49"/>
+    <p:sldId id="433" r:id="rId50"/>
+    <p:sldId id="435" r:id="rId51"/>
+    <p:sldId id="436" r:id="rId52"/>
+    <p:sldId id="437" r:id="rId53"/>
+    <p:sldId id="438" r:id="rId54"/>
+    <p:sldId id="439" r:id="rId55"/>
+    <p:sldId id="440" r:id="rId56"/>
+    <p:sldId id="441" r:id="rId57"/>
+    <p:sldId id="442" r:id="rId58"/>
+    <p:sldId id="443" r:id="rId59"/>
+    <p:sldId id="444" r:id="rId60"/>
+    <p:sldId id="448" r:id="rId61"/>
+    <p:sldId id="449" r:id="rId62"/>
+    <p:sldId id="445" r:id="rId63"/>
   </p:sldIdLst>
   <p:sldSz cx="9144000" cy="6858000" type="letter"/>
   <p:notesSz cx="6858000" cy="9144000"/>
@@ -5722,7 +5718,7 @@
                 <a:latin typeface="Tahoma" panose="020B0604030504040204" pitchFamily="34" charset="0"/>
               </a:rPr>
               <a:pPr/>
-              <a:t>47</a:t>
+              <a:t>43</a:t>
             </a:fld>
             <a:endParaRPr lang="en-CA" altLang="en-US" sz="1200">
               <a:latin typeface="Tahoma" panose="020B0604030504040204" pitchFamily="34" charset="0"/>
@@ -5966,7 +5962,7 @@
                 <a:latin typeface="Tahoma" panose="020B0604030504040204" pitchFamily="34" charset="0"/>
               </a:rPr>
               <a:pPr/>
-              <a:t>48</a:t>
+              <a:t>44</a:t>
             </a:fld>
             <a:endParaRPr lang="en-CA" altLang="en-US" sz="1200">
               <a:latin typeface="Tahoma" panose="020B0604030504040204" pitchFamily="34" charset="0"/>
@@ -6210,7 +6206,7 @@
                 <a:latin typeface="Tahoma" panose="020B0604030504040204" pitchFamily="34" charset="0"/>
               </a:rPr>
               <a:pPr/>
-              <a:t>51</a:t>
+              <a:t>47</a:t>
             </a:fld>
             <a:endParaRPr lang="en-CA" altLang="en-US" sz="1200">
               <a:latin typeface="Tahoma" panose="020B0604030504040204" pitchFamily="34" charset="0"/>
@@ -6693,7 +6689,7 @@
                 <a:latin typeface="Tahoma" panose="020B0604030504040204" pitchFamily="34" charset="0"/>
               </a:rPr>
               <a:pPr/>
-              <a:t>52</a:t>
+              <a:t>48</a:t>
             </a:fld>
             <a:endParaRPr lang="en-CA" altLang="en-US" sz="1200">
               <a:latin typeface="Tahoma" panose="020B0604030504040204" pitchFamily="34" charset="0"/>
@@ -6937,7 +6933,7 @@
                 <a:latin typeface="Tahoma" panose="020B0604030504040204" pitchFamily="34" charset="0"/>
               </a:rPr>
               <a:pPr/>
-              <a:t>53</a:t>
+              <a:t>49</a:t>
             </a:fld>
             <a:endParaRPr lang="en-CA" altLang="en-US" sz="1200">
               <a:latin typeface="Tahoma" panose="020B0604030504040204" pitchFamily="34" charset="0"/>
@@ -7181,7 +7177,7 @@
                 <a:latin typeface="Tahoma" panose="020B0604030504040204" pitchFamily="34" charset="0"/>
               </a:rPr>
               <a:pPr/>
-              <a:t>54</a:t>
+              <a:t>50</a:t>
             </a:fld>
             <a:endParaRPr lang="en-CA" altLang="en-US" sz="1200">
               <a:latin typeface="Tahoma" panose="020B0604030504040204" pitchFamily="34" charset="0"/>
@@ -7425,7 +7421,7 @@
                 <a:latin typeface="Tahoma" panose="020B0604030504040204" pitchFamily="34" charset="0"/>
               </a:rPr>
               <a:pPr/>
-              <a:t>55</a:t>
+              <a:t>51</a:t>
             </a:fld>
             <a:endParaRPr lang="en-CA" altLang="en-US" sz="1200">
               <a:latin typeface="Tahoma" panose="020B0604030504040204" pitchFamily="34" charset="0"/>
@@ -7669,7 +7665,7 @@
                 <a:latin typeface="Tahoma" panose="020B0604030504040204" pitchFamily="34" charset="0"/>
               </a:rPr>
               <a:pPr/>
-              <a:t>56</a:t>
+              <a:t>52</a:t>
             </a:fld>
             <a:endParaRPr lang="en-CA" altLang="en-US" sz="1200">
               <a:latin typeface="Tahoma" panose="020B0604030504040204" pitchFamily="34" charset="0"/>
@@ -7913,7 +7909,7 @@
                 <a:latin typeface="Tahoma" panose="020B0604030504040204" pitchFamily="34" charset="0"/>
               </a:rPr>
               <a:pPr/>
-              <a:t>57</a:t>
+              <a:t>53</a:t>
             </a:fld>
             <a:endParaRPr lang="en-CA" altLang="en-US" sz="1200">
               <a:latin typeface="Tahoma" panose="020B0604030504040204" pitchFamily="34" charset="0"/>
@@ -8157,7 +8153,7 @@
                 <a:latin typeface="Tahoma" panose="020B0604030504040204" pitchFamily="34" charset="0"/>
               </a:rPr>
               <a:pPr/>
-              <a:t>58</a:t>
+              <a:t>54</a:t>
             </a:fld>
             <a:endParaRPr lang="en-CA" altLang="en-US" sz="1200">
               <a:latin typeface="Tahoma" panose="020B0604030504040204" pitchFamily="34" charset="0"/>
@@ -8401,7 +8397,7 @@
                 <a:latin typeface="Tahoma" panose="020B0604030504040204" pitchFamily="34" charset="0"/>
               </a:rPr>
               <a:pPr/>
-              <a:t>59</a:t>
+              <a:t>55</a:t>
             </a:fld>
             <a:endParaRPr lang="en-CA" altLang="en-US" sz="1200">
               <a:latin typeface="Tahoma" panose="020B0604030504040204" pitchFamily="34" charset="0"/>
@@ -8645,7 +8641,7 @@
                 <a:latin typeface="Tahoma" panose="020B0604030504040204" pitchFamily="34" charset="0"/>
               </a:rPr>
               <a:pPr/>
-              <a:t>63</a:t>
+              <a:t>59</a:t>
             </a:fld>
             <a:endParaRPr lang="en-CA" altLang="en-US" sz="1200">
               <a:latin typeface="Tahoma" panose="020B0604030504040204" pitchFamily="34" charset="0"/>
@@ -8889,7 +8885,7 @@
                 <a:latin typeface="Tahoma" panose="020B0604030504040204" pitchFamily="34" charset="0"/>
               </a:rPr>
               <a:pPr/>
-              <a:t>66</a:t>
+              <a:t>62</a:t>
             </a:fld>
             <a:endParaRPr lang="en-CA" altLang="en-US" sz="1200">
               <a:latin typeface="Tahoma" panose="020B0604030504040204" pitchFamily="34" charset="0"/>
@@ -15307,11 +15303,7 @@
             <a:pPr lvl="2" eaLnBrk="1" hangingPunct="1"/>
             <a:r>
               <a:rPr lang="en-US" altLang="en-US" sz="2200" kern="0" dirty="0" smtClean="0"/>
-              <a:t>Little </a:t>
-            </a:r>
-            <a:r>
-              <a:rPr lang="en-US" altLang="en-US" sz="2200" kern="0" dirty="0" smtClean="0"/>
-              <a:t>scope for "query optimization"</a:t>
+              <a:t>Little scope for "query optimization"</a:t>
             </a:r>
           </a:p>
           <a:p>
@@ -22824,11 +22816,7 @@
             </a:pPr>
             <a:r>
               <a:rPr lang="en-US" altLang="en-US" sz="2400" dirty="0" smtClean="0"/>
-              <a:t>r(R</a:t>
-            </a:r>
-            <a:r>
-              <a:rPr lang="en-US" altLang="en-US" sz="2400" dirty="0" smtClean="0"/>
-              <a:t>) </a:t>
+              <a:t>r(R) </a:t>
             </a:r>
             <a:r>
               <a:rPr lang="en-US" altLang="en-US" sz="2400" dirty="0" smtClean="0">
@@ -23343,11 +23331,7 @@
             </a:pPr>
             <a:r>
               <a:rPr lang="en-US" altLang="en-US" sz="2400" dirty="0" smtClean="0"/>
-              <a:t>Then</a:t>
-            </a:r>
-            <a:r>
-              <a:rPr lang="en-US" altLang="en-US" sz="2400" dirty="0" smtClean="0"/>
-              <a:t>: </a:t>
+              <a:t>Then: </a:t>
             </a:r>
             <a:r>
               <a:rPr lang="en-US" altLang="en-US" sz="2400" dirty="0" err="1" smtClean="0"/>
@@ -23403,11 +23387,7 @@
             </a:pPr>
             <a:r>
               <a:rPr lang="en-US" altLang="en-US" sz="2400" dirty="0" smtClean="0"/>
-              <a:t>The </a:t>
-            </a:r>
-            <a:r>
-              <a:rPr lang="en-US" altLang="en-US" sz="2400" dirty="0" smtClean="0"/>
-              <a:t>relation state r(R) </a:t>
+              <a:t>The relation state r(R) </a:t>
             </a:r>
             <a:r>
               <a:rPr lang="en-US" altLang="en-US" sz="2400" dirty="0" smtClean="0">
@@ -29122,15 +29102,7 @@
             <a:pPr eaLnBrk="1" hangingPunct="1"/>
             <a:r>
               <a:rPr lang="en-US" altLang="en-US" dirty="0" smtClean="0"/>
-              <a:t>Characteristics </a:t>
-            </a:r>
-            <a:r>
-              <a:rPr lang="en-US" altLang="en-US" dirty="0" smtClean="0"/>
-              <a:t>of </a:t>
-            </a:r>
-            <a:r>
-              <a:rPr lang="en-US" altLang="en-US" dirty="0" smtClean="0"/>
-              <a:t>Relations</a:t>
+              <a:t>Characteristics of Relations</a:t>
             </a:r>
           </a:p>
         </p:txBody>
@@ -29297,11 +29269,7 @@
             </a:pPr>
             <a:r>
               <a:rPr lang="en-US" altLang="en-US" sz="2400" dirty="0" smtClean="0"/>
-              <a:t>A </a:t>
-            </a:r>
-            <a:r>
-              <a:rPr lang="en-US" altLang="en-US" sz="2400" dirty="0" smtClean="0"/>
-              <a:t>special </a:t>
+              <a:t>A special </a:t>
             </a:r>
             <a:r>
               <a:rPr lang="en-US" altLang="en-US" sz="2400" b="1" dirty="0" smtClean="0"/>
@@ -29569,15 +29537,7 @@
             <a:pPr eaLnBrk="1" hangingPunct="1"/>
             <a:r>
               <a:rPr lang="en-US" altLang="en-US" dirty="0" smtClean="0"/>
-              <a:t>Characteristics </a:t>
-            </a:r>
-            <a:r>
-              <a:rPr lang="en-US" altLang="en-US" dirty="0" smtClean="0"/>
-              <a:t>of </a:t>
-            </a:r>
-            <a:r>
-              <a:rPr lang="en-US" altLang="en-US" dirty="0" smtClean="0"/>
-              <a:t>Relations</a:t>
+              <a:t>Characteristics of Relations</a:t>
             </a:r>
           </a:p>
         </p:txBody>
@@ -29719,15 +29679,7 @@
             </a:r>
             <a:r>
               <a:rPr lang="en-US" altLang="en-US" sz="2200" dirty="0" smtClean="0"/>
-              <a:t>: These are based on the data model itself. </a:t>
-            </a:r>
-            <a:r>
-              <a:rPr lang="en-US" altLang="en-US" sz="2200" dirty="0" smtClean="0"/>
-              <a:t>(</a:t>
-            </a:r>
-            <a:r>
-              <a:rPr lang="en-US" altLang="en-US" sz="2200" dirty="0" smtClean="0"/>
-              <a:t>E.g., relational model does not allow a list as a value for any attribute)</a:t>
+              <a:t>: These are based on the data model itself. (E.g., relational model does not allow a list as a value for any attribute)</a:t>
             </a:r>
           </a:p>
           <a:p>
@@ -29740,11 +29692,7 @@
             </a:pPr>
             <a:r>
               <a:rPr lang="en-US" altLang="en-US" sz="2200" b="1" dirty="0" smtClean="0"/>
-              <a:t>Schema-based </a:t>
-            </a:r>
-            <a:r>
-              <a:rPr lang="en-US" altLang="en-US" sz="2200" b="1" dirty="0" smtClean="0"/>
-              <a:t>or Explicit Constraints</a:t>
+              <a:t>Schema-based or Explicit Constraints</a:t>
             </a:r>
             <a:r>
               <a:rPr lang="en-US" altLang="en-US" sz="2200" dirty="0" smtClean="0"/>
@@ -29761,11 +29709,7 @@
             </a:pPr>
             <a:r>
               <a:rPr lang="en-US" altLang="en-US" sz="2200" b="1" dirty="0" smtClean="0"/>
-              <a:t>Application </a:t>
-            </a:r>
-            <a:r>
-              <a:rPr lang="en-US" altLang="en-US" sz="2200" b="1" dirty="0" smtClean="0"/>
-              <a:t>based or semantic constraints</a:t>
+              <a:t>Application based or semantic constraints</a:t>
             </a:r>
             <a:r>
               <a:rPr lang="en-US" altLang="en-US" sz="2200" dirty="0" smtClean="0"/>
@@ -31448,8 +31392,8 @@
         </p:nvSpPr>
         <p:spPr>
           <a:xfrm>
-            <a:off x="0" y="117475"/>
-            <a:ext cx="9144000" cy="1330325"/>
+            <a:off x="0" y="1"/>
+            <a:ext cx="9144000" cy="762000"/>
           </a:xfrm>
         </p:spPr>
         <p:txBody>
@@ -31457,10 +31401,10 @@
           <a:lstStyle/>
           <a:p>
             <a:r>
-              <a:rPr lang="en-CA" sz="4000" b="1" dirty="0"/>
-              <a:t>Types of Keys</a:t>
-            </a:r>
-            <a:endParaRPr lang="en-US" sz="4000" b="1" dirty="0"/>
+              <a:rPr lang="en-CA" b="1" dirty="0" smtClean="0"/>
+              <a:t>Foreign Keys</a:t>
+            </a:r>
+            <a:endParaRPr lang="en-US" b="1" dirty="0"/>
           </a:p>
         </p:txBody>
       </p:sp>
@@ -31476,8 +31420,8 @@
         </p:nvSpPr>
         <p:spPr>
           <a:xfrm>
-            <a:off x="101600" y="1447800"/>
-            <a:ext cx="9042400" cy="5410200"/>
+            <a:off x="101600" y="914400"/>
+            <a:ext cx="8890000" cy="5943600"/>
           </a:xfrm>
         </p:spPr>
         <p:txBody>
@@ -31490,60 +31434,93 @@
               </a:lnSpc>
             </a:pPr>
             <a:r>
-              <a:rPr lang="en-CA" sz="3600" dirty="0" err="1" smtClean="0"/>
-              <a:t>Superkeys</a:t>
-            </a:r>
-            <a:r>
-              <a:rPr lang="en-CA" sz="3600" dirty="0"/>
-              <a:t>, </a:t>
-            </a:r>
-            <a:endParaRPr lang="en-CA" sz="3600" dirty="0" smtClean="0"/>
-          </a:p>
-          <a:p>
-            <a:pPr>
+              <a:rPr lang="en-CA" sz="2400" dirty="0" smtClean="0"/>
+              <a:t>A </a:t>
+            </a:r>
+            <a:r>
+              <a:rPr lang="en-CA" sz="2400" dirty="0"/>
+              <a:t>set of attribute types FK in a relation R1 is a foreign key of R1 if two conditions are satisfied (referential integrity constraint) </a:t>
+            </a:r>
+            <a:endParaRPr lang="en-CA" sz="2400" dirty="0" smtClean="0"/>
+          </a:p>
+          <a:p>
+            <a:pPr lvl="1">
               <a:lnSpc>
                 <a:spcPct val="150000"/>
               </a:lnSpc>
             </a:pPr>
             <a:r>
-              <a:rPr lang="en-CA" sz="3600" dirty="0" err="1" smtClean="0"/>
-              <a:t>Candidatekeys</a:t>
-            </a:r>
-            <a:endParaRPr lang="en-CA" sz="3600" dirty="0" smtClean="0"/>
-          </a:p>
-          <a:p>
-            <a:pPr>
+              <a:rPr lang="en-CA" sz="2200" dirty="0" smtClean="0"/>
+              <a:t>The </a:t>
+            </a:r>
+            <a:r>
+              <a:rPr lang="en-CA" sz="2200" dirty="0"/>
+              <a:t>attribute types in FK have the same domains as the primary key attribute types PK of a relation R</a:t>
+            </a:r>
+            <a:r>
+              <a:rPr lang="en-CA" sz="2200" baseline="-25000" dirty="0"/>
+              <a:t>2</a:t>
+            </a:r>
+            <a:r>
+              <a:rPr lang="en-CA" sz="2200" dirty="0"/>
+              <a:t> </a:t>
+            </a:r>
+            <a:endParaRPr lang="en-CA" sz="2200" dirty="0" smtClean="0"/>
+          </a:p>
+          <a:p>
+            <a:pPr lvl="1">
               <a:lnSpc>
                 <a:spcPct val="150000"/>
               </a:lnSpc>
             </a:pPr>
             <a:r>
-              <a:rPr lang="en-CA" sz="3600" dirty="0"/>
-              <a:t>Primary keys, Alternative keys </a:t>
-            </a:r>
-          </a:p>
-          <a:p>
-            <a:pPr>
-              <a:lnSpc>
-                <a:spcPct val="150000"/>
-              </a:lnSpc>
-            </a:pPr>
-            <a:r>
-              <a:rPr lang="en-CA" sz="3600" dirty="0"/>
-              <a:t>Foreign </a:t>
-            </a:r>
-            <a:r>
-              <a:rPr lang="en-CA" sz="3600" dirty="0" smtClean="0"/>
-              <a:t>keys</a:t>
-            </a:r>
-            <a:endParaRPr lang="en-US" sz="3600" dirty="0"/>
+              <a:rPr lang="en-CA" sz="2200" dirty="0" smtClean="0"/>
+              <a:t>A </a:t>
+            </a:r>
+            <a:r>
+              <a:rPr lang="en-CA" sz="2200" dirty="0"/>
+              <a:t>value FK in a tuple t</a:t>
+            </a:r>
+            <a:r>
+              <a:rPr lang="en-CA" sz="2200" baseline="-25000" dirty="0"/>
+              <a:t>1</a:t>
+            </a:r>
+            <a:r>
+              <a:rPr lang="en-CA" sz="2200" dirty="0"/>
+              <a:t> of the current state r</a:t>
+            </a:r>
+            <a:r>
+              <a:rPr lang="en-CA" sz="2200" baseline="-25000" dirty="0"/>
+              <a:t>1</a:t>
+            </a:r>
+            <a:r>
+              <a:rPr lang="en-CA" sz="2200" dirty="0"/>
+              <a:t> either occurs as a value of PK for some tuple t</a:t>
+            </a:r>
+            <a:r>
+              <a:rPr lang="en-CA" sz="2200" baseline="-25000" dirty="0"/>
+              <a:t>2</a:t>
+            </a:r>
+            <a:r>
+              <a:rPr lang="en-CA" sz="2200" dirty="0"/>
+              <a:t> in the current state r</a:t>
+            </a:r>
+            <a:r>
+              <a:rPr lang="en-CA" sz="2200" baseline="-25000" dirty="0"/>
+              <a:t>2</a:t>
+            </a:r>
+            <a:r>
+              <a:rPr lang="en-CA" sz="2200" dirty="0"/>
+              <a:t> or is NULL</a:t>
+            </a:r>
+            <a:endParaRPr lang="en-US" sz="2200" dirty="0"/>
           </a:p>
         </p:txBody>
       </p:sp>
     </p:spTree>
     <p:extLst>
       <p:ext uri="{BB962C8B-B14F-4D97-AF65-F5344CB8AC3E}">
-        <p14:creationId xmlns:p14="http://schemas.microsoft.com/office/powerpoint/2010/main" val="2385504314"/>
+        <p14:creationId xmlns:p14="http://schemas.microsoft.com/office/powerpoint/2010/main" val="751399602"/>
       </p:ext>
     </p:extLst>
   </p:cSld>
@@ -31672,697 +31649,6 @@
             <p:ph type="title"/>
           </p:nvPr>
         </p:nvSpPr>
-        <p:spPr/>
-        <p:txBody>
-          <a:bodyPr/>
-          <a:lstStyle/>
-          <a:p>
-            <a:r>
-              <a:rPr lang="en-CA" dirty="0"/>
-              <a:t>Types of Keys</a:t>
-            </a:r>
-            <a:endParaRPr lang="en-US" dirty="0"/>
-          </a:p>
-        </p:txBody>
-      </p:sp>
-      <p:sp>
-        <p:nvSpPr>
-          <p:cNvPr id="3" name="Content Placeholder 2"/>
-          <p:cNvSpPr>
-            <a:spLocks noGrp="1"/>
-          </p:cNvSpPr>
-          <p:nvPr>
-            <p:ph idx="1"/>
-          </p:nvPr>
-        </p:nvSpPr>
-        <p:spPr>
-          <a:xfrm>
-            <a:off x="101600" y="914400"/>
-            <a:ext cx="9042400" cy="5943600"/>
-          </a:xfrm>
-        </p:spPr>
-        <p:txBody>
-          <a:bodyPr/>
-          <a:lstStyle/>
-          <a:p>
-            <a:r>
-              <a:rPr lang="en-CA" b="1" dirty="0" err="1" smtClean="0"/>
-              <a:t>Superkeys</a:t>
-            </a:r>
-            <a:r>
-              <a:rPr lang="en-CA" dirty="0"/>
-              <a:t>, </a:t>
-            </a:r>
-            <a:endParaRPr lang="en-CA" dirty="0" smtClean="0"/>
-          </a:p>
-          <a:p>
-            <a:pPr lvl="1"/>
-            <a:r>
-              <a:rPr lang="en-CA" sz="2800" dirty="0" smtClean="0"/>
-              <a:t>a </a:t>
-            </a:r>
-            <a:r>
-              <a:rPr lang="en-CA" sz="2800" dirty="0"/>
-              <a:t>subset of attribute types of a relation R with the property that no two tuples in any relation state should have the same combination of values for these attribute types </a:t>
-            </a:r>
-            <a:endParaRPr lang="en-CA" sz="2800" dirty="0" smtClean="0"/>
-          </a:p>
-          <a:p>
-            <a:pPr lvl="1"/>
-            <a:r>
-              <a:rPr lang="en-CA" sz="2800" dirty="0" smtClean="0"/>
-              <a:t>specifies </a:t>
-            </a:r>
-            <a:r>
-              <a:rPr lang="en-CA" sz="2800" dirty="0"/>
-              <a:t>a uniqueness constraint </a:t>
-            </a:r>
-            <a:endParaRPr lang="en-CA" sz="2800" dirty="0" smtClean="0"/>
-          </a:p>
-          <a:p>
-            <a:pPr lvl="1"/>
-            <a:r>
-              <a:rPr lang="en-CA" sz="2800" dirty="0" smtClean="0"/>
-              <a:t>can </a:t>
-            </a:r>
-            <a:r>
-              <a:rPr lang="en-CA" sz="2800" dirty="0"/>
-              <a:t>have redundant attribute types </a:t>
-            </a:r>
-            <a:endParaRPr lang="en-CA" sz="2800" dirty="0" smtClean="0"/>
-          </a:p>
-          <a:p>
-            <a:pPr lvl="2"/>
-            <a:r>
-              <a:rPr lang="en-CA" dirty="0" smtClean="0"/>
-              <a:t>Example</a:t>
-            </a:r>
-            <a:r>
-              <a:rPr lang="en-CA" dirty="0"/>
-              <a:t>: (</a:t>
-            </a:r>
-            <a:r>
-              <a:rPr lang="en-CA" dirty="0" err="1"/>
-              <a:t>Studentnr</a:t>
-            </a:r>
-            <a:r>
-              <a:rPr lang="en-CA" dirty="0"/>
-              <a:t>, Name, </a:t>
-            </a:r>
-            <a:r>
-              <a:rPr lang="en-CA" dirty="0" err="1"/>
-              <a:t>HomePhone</a:t>
-            </a:r>
-            <a:r>
-              <a:rPr lang="en-CA" dirty="0"/>
-              <a:t>) </a:t>
-            </a:r>
-            <a:endParaRPr lang="en-CA" dirty="0" smtClean="0"/>
-          </a:p>
-        </p:txBody>
-      </p:sp>
-    </p:spTree>
-    <p:extLst>
-      <p:ext uri="{BB962C8B-B14F-4D97-AF65-F5344CB8AC3E}">
-        <p14:creationId xmlns:p14="http://schemas.microsoft.com/office/powerpoint/2010/main" val="930910433"/>
-      </p:ext>
-    </p:extLst>
-  </p:cSld>
-  <p:clrMapOvr>
-    <a:masterClrMapping/>
-  </p:clrMapOvr>
-  <p:transition spd="med"/>
-  <p:timing>
-    <p:tnLst>
-      <p:par>
-        <p:cTn id="1" dur="indefinite" restart="never" nodeType="tmRoot"/>
-      </p:par>
-    </p:tnLst>
-  </p:timing>
-</p:sld>
-</file>
-
-<file path=ppt/slides/slide41.xml><?xml version="1.0" encoding="utf-8"?>
-<p:sld xmlns:a="http://schemas.openxmlformats.org/drawingml/2006/main" xmlns:r="http://schemas.openxmlformats.org/officeDocument/2006/relationships" xmlns:p="http://schemas.openxmlformats.org/presentationml/2006/main">
-  <p:cSld>
-    <p:spTree>
-      <p:nvGrpSpPr>
-        <p:cNvPr id="1" name=""/>
-        <p:cNvGrpSpPr/>
-        <p:nvPr/>
-      </p:nvGrpSpPr>
-      <p:grpSpPr>
-        <a:xfrm>
-          <a:off x="0" y="0"/>
-          <a:ext cx="0" cy="0"/>
-          <a:chOff x="0" y="0"/>
-          <a:chExt cx="0" cy="0"/>
-        </a:xfrm>
-      </p:grpSpPr>
-      <p:sp>
-        <p:nvSpPr>
-          <p:cNvPr id="2" name="Title 1"/>
-          <p:cNvSpPr>
-            <a:spLocks noGrp="1"/>
-          </p:cNvSpPr>
-          <p:nvPr>
-            <p:ph type="title"/>
-          </p:nvPr>
-        </p:nvSpPr>
-        <p:spPr>
-          <a:xfrm>
-            <a:off x="0" y="0"/>
-            <a:ext cx="9144000" cy="990599"/>
-          </a:xfrm>
-        </p:spPr>
-        <p:txBody>
-          <a:bodyPr/>
-          <a:lstStyle/>
-          <a:p>
-            <a:r>
-              <a:rPr lang="en-CA" dirty="0"/>
-              <a:t>Types of Keys</a:t>
-            </a:r>
-            <a:endParaRPr lang="en-US" dirty="0"/>
-          </a:p>
-        </p:txBody>
-      </p:sp>
-      <p:sp>
-        <p:nvSpPr>
-          <p:cNvPr id="3" name="Content Placeholder 2"/>
-          <p:cNvSpPr>
-            <a:spLocks noGrp="1"/>
-          </p:cNvSpPr>
-          <p:nvPr>
-            <p:ph idx="1"/>
-          </p:nvPr>
-        </p:nvSpPr>
-        <p:spPr>
-          <a:xfrm>
-            <a:off x="101600" y="1066800"/>
-            <a:ext cx="9042400" cy="5791200"/>
-          </a:xfrm>
-        </p:spPr>
-        <p:txBody>
-          <a:bodyPr/>
-          <a:lstStyle/>
-          <a:p>
-            <a:r>
-              <a:rPr lang="en-CA" dirty="0" err="1" smtClean="0"/>
-              <a:t>Candidatekeys</a:t>
-            </a:r>
-            <a:endParaRPr lang="en-CA" dirty="0" smtClean="0"/>
-          </a:p>
-          <a:p>
-            <a:pPr lvl="1"/>
-            <a:r>
-              <a:rPr lang="en-CA" sz="2800" dirty="0" smtClean="0"/>
-              <a:t>A </a:t>
-            </a:r>
-            <a:r>
-              <a:rPr lang="en-CA" sz="2800" dirty="0"/>
-              <a:t>key K of a relation scheme R is a </a:t>
-            </a:r>
-            <a:r>
-              <a:rPr lang="en-CA" sz="2800" dirty="0" err="1"/>
-              <a:t>superkey</a:t>
-            </a:r>
-            <a:r>
-              <a:rPr lang="en-CA" sz="2800" dirty="0"/>
-              <a:t> of R with the additional property that removing any attribute type from K leaves a set of attribute types that is no </a:t>
-            </a:r>
-            <a:r>
-              <a:rPr lang="en-CA" sz="2800" dirty="0" err="1"/>
-              <a:t>superkey</a:t>
-            </a:r>
-            <a:r>
-              <a:rPr lang="en-CA" sz="2800" dirty="0"/>
-              <a:t> of R </a:t>
-            </a:r>
-            <a:endParaRPr lang="en-CA" sz="2800" dirty="0" smtClean="0"/>
-          </a:p>
-          <a:p>
-            <a:pPr lvl="1"/>
-            <a:r>
-              <a:rPr lang="en-CA" sz="2800" dirty="0" smtClean="0"/>
-              <a:t>A </a:t>
-            </a:r>
-            <a:r>
-              <a:rPr lang="en-CA" sz="2800" dirty="0"/>
-              <a:t>key does not have any redundant attribute types </a:t>
-            </a:r>
-            <a:endParaRPr lang="en-CA" sz="2800" dirty="0" smtClean="0"/>
-          </a:p>
-          <a:p>
-            <a:pPr lvl="2"/>
-            <a:r>
-              <a:rPr lang="en-CA" sz="2600" dirty="0" smtClean="0"/>
-              <a:t>Example</a:t>
-            </a:r>
-            <a:r>
-              <a:rPr lang="en-CA" sz="2600" dirty="0"/>
-              <a:t>: </a:t>
-            </a:r>
-            <a:r>
-              <a:rPr lang="en-CA" sz="2600" dirty="0" err="1"/>
-              <a:t>Studentnr</a:t>
-            </a:r>
-            <a:r>
-              <a:rPr lang="en-CA" sz="2600" dirty="0"/>
-              <a:t> </a:t>
-            </a:r>
-            <a:endParaRPr lang="en-CA" sz="2600" dirty="0" smtClean="0"/>
-          </a:p>
-          <a:p>
-            <a:pPr lvl="2"/>
-            <a:r>
-              <a:rPr lang="en-CA" sz="2600" dirty="0" smtClean="0"/>
-              <a:t>The </a:t>
-            </a:r>
-            <a:r>
-              <a:rPr lang="en-CA" sz="2600" dirty="0"/>
-              <a:t>key constraint states that every relation must have at least one key that allows uniquely identifying its tuples </a:t>
-            </a:r>
-            <a:endParaRPr lang="en-CA" sz="2600" dirty="0" smtClean="0"/>
-          </a:p>
-          <a:p>
-            <a:pPr lvl="2"/>
-            <a:r>
-              <a:rPr lang="en-CA" sz="2600" dirty="0" smtClean="0"/>
-              <a:t>All </a:t>
-            </a:r>
-            <a:r>
-              <a:rPr lang="en-CA" sz="2600" dirty="0"/>
-              <a:t>super keys can't be candidate keys. All candidate keys are super keys</a:t>
-            </a:r>
-            <a:endParaRPr lang="en-CA" sz="2200" dirty="0" smtClean="0"/>
-          </a:p>
-        </p:txBody>
-      </p:sp>
-    </p:spTree>
-    <p:extLst>
-      <p:ext uri="{BB962C8B-B14F-4D97-AF65-F5344CB8AC3E}">
-        <p14:creationId xmlns:p14="http://schemas.microsoft.com/office/powerpoint/2010/main" val="2971378319"/>
-      </p:ext>
-    </p:extLst>
-  </p:cSld>
-  <p:clrMapOvr>
-    <a:masterClrMapping/>
-  </p:clrMapOvr>
-  <p:transition spd="med"/>
-  <p:timing>
-    <p:tnLst>
-      <p:par>
-        <p:cTn id="1" dur="indefinite" restart="never" nodeType="tmRoot"/>
-      </p:par>
-    </p:tnLst>
-  </p:timing>
-</p:sld>
-</file>
-
-<file path=ppt/slides/slide42.xml><?xml version="1.0" encoding="utf-8"?>
-<p:sld xmlns:a="http://schemas.openxmlformats.org/drawingml/2006/main" xmlns:r="http://schemas.openxmlformats.org/officeDocument/2006/relationships" xmlns:p="http://schemas.openxmlformats.org/presentationml/2006/main">
-  <p:cSld>
-    <p:spTree>
-      <p:nvGrpSpPr>
-        <p:cNvPr id="1" name=""/>
-        <p:cNvGrpSpPr/>
-        <p:nvPr/>
-      </p:nvGrpSpPr>
-      <p:grpSpPr>
-        <a:xfrm>
-          <a:off x="0" y="0"/>
-          <a:ext cx="0" cy="0"/>
-          <a:chOff x="0" y="0"/>
-          <a:chExt cx="0" cy="0"/>
-        </a:xfrm>
-      </p:grpSpPr>
-      <p:sp>
-        <p:nvSpPr>
-          <p:cNvPr id="2" name="Title 1"/>
-          <p:cNvSpPr>
-            <a:spLocks noGrp="1"/>
-          </p:cNvSpPr>
-          <p:nvPr>
-            <p:ph type="title"/>
-          </p:nvPr>
-        </p:nvSpPr>
-        <p:spPr>
-          <a:xfrm>
-            <a:off x="0" y="0"/>
-            <a:ext cx="9144000" cy="873125"/>
-          </a:xfrm>
-        </p:spPr>
-        <p:txBody>
-          <a:bodyPr/>
-          <a:lstStyle/>
-          <a:p>
-            <a:r>
-              <a:rPr lang="en-CA" dirty="0"/>
-              <a:t>Types of Keys</a:t>
-            </a:r>
-            <a:endParaRPr lang="en-US" dirty="0"/>
-          </a:p>
-        </p:txBody>
-      </p:sp>
-      <p:sp>
-        <p:nvSpPr>
-          <p:cNvPr id="3" name="Content Placeholder 2"/>
-          <p:cNvSpPr>
-            <a:spLocks noGrp="1"/>
-          </p:cNvSpPr>
-          <p:nvPr>
-            <p:ph idx="1"/>
-          </p:nvPr>
-        </p:nvSpPr>
-        <p:spPr>
-          <a:xfrm>
-            <a:off x="101600" y="1066800"/>
-            <a:ext cx="8966200" cy="5715000"/>
-          </a:xfrm>
-        </p:spPr>
-        <p:txBody>
-          <a:bodyPr/>
-          <a:lstStyle/>
-          <a:p>
-            <a:r>
-              <a:rPr lang="en-CA" sz="2400" dirty="0" smtClean="0"/>
-              <a:t>Primary </a:t>
-            </a:r>
-            <a:r>
-              <a:rPr lang="en-CA" sz="2400" dirty="0"/>
-              <a:t>keys, Alternative keys </a:t>
-            </a:r>
-            <a:endParaRPr lang="en-CA" sz="2400" dirty="0" smtClean="0"/>
-          </a:p>
-          <a:p>
-            <a:r>
-              <a:rPr lang="en-CA" sz="2400" dirty="0" smtClean="0"/>
-              <a:t>A </a:t>
-            </a:r>
-            <a:r>
-              <a:rPr lang="en-CA" sz="2400" dirty="0"/>
-              <a:t>relation may have more than one key (candidate keys) </a:t>
-            </a:r>
-            <a:endParaRPr lang="en-CA" sz="2400" dirty="0" smtClean="0"/>
-          </a:p>
-          <a:p>
-            <a:pPr lvl="1">
-              <a:lnSpc>
-                <a:spcPct val="150000"/>
-              </a:lnSpc>
-            </a:pPr>
-            <a:r>
-              <a:rPr lang="en-CA" sz="2200" dirty="0" smtClean="0"/>
-              <a:t>PRODUCT</a:t>
-            </a:r>
-            <a:r>
-              <a:rPr lang="en-CA" sz="2200" dirty="0"/>
-              <a:t>: product number and product name </a:t>
-            </a:r>
-            <a:endParaRPr lang="en-CA" sz="2200" dirty="0" smtClean="0"/>
-          </a:p>
-          <a:p>
-            <a:r>
-              <a:rPr lang="en-CA" sz="2400" dirty="0" smtClean="0"/>
-              <a:t>The </a:t>
-            </a:r>
-            <a:r>
-              <a:rPr lang="en-CA" sz="2400" dirty="0"/>
-              <a:t>primary key is used to identify tuples in the relation, to establish connections to other relations, and for storage purposes </a:t>
-            </a:r>
-            <a:endParaRPr lang="en-CA" sz="2400" dirty="0" smtClean="0"/>
-          </a:p>
-          <a:p>
-            <a:pPr lvl="1"/>
-            <a:r>
-              <a:rPr lang="en-CA" sz="2200" dirty="0" smtClean="0"/>
-              <a:t>Entity </a:t>
-            </a:r>
-            <a:r>
-              <a:rPr lang="en-CA" sz="2200" dirty="0"/>
-              <a:t>integrity constraint: attribute types that make up the primary key should always satisfy a NOT NULL constraint </a:t>
-            </a:r>
-            <a:endParaRPr lang="en-CA" sz="2200" dirty="0" smtClean="0"/>
-          </a:p>
-          <a:p>
-            <a:r>
-              <a:rPr lang="en-CA" sz="2400" dirty="0" smtClean="0"/>
-              <a:t>Only </a:t>
-            </a:r>
-            <a:r>
-              <a:rPr lang="en-CA" sz="2400" dirty="0"/>
-              <a:t>one Candidate Key can be Primary Key </a:t>
-            </a:r>
-            <a:endParaRPr lang="en-CA" sz="2400" dirty="0" smtClean="0"/>
-          </a:p>
-          <a:p>
-            <a:r>
-              <a:rPr lang="en-CA" sz="2400" dirty="0" smtClean="0"/>
-              <a:t>Other </a:t>
-            </a:r>
-            <a:r>
-              <a:rPr lang="en-CA" sz="2400" dirty="0"/>
-              <a:t>candidate keys are then referred to as alternate keys</a:t>
-            </a:r>
-            <a:endParaRPr lang="en-CA" sz="2400" dirty="0" smtClean="0"/>
-          </a:p>
-        </p:txBody>
-      </p:sp>
-    </p:spTree>
-    <p:extLst>
-      <p:ext uri="{BB962C8B-B14F-4D97-AF65-F5344CB8AC3E}">
-        <p14:creationId xmlns:p14="http://schemas.microsoft.com/office/powerpoint/2010/main" val="1102813904"/>
-      </p:ext>
-    </p:extLst>
-  </p:cSld>
-  <p:clrMapOvr>
-    <a:masterClrMapping/>
-  </p:clrMapOvr>
-  <p:transition spd="med"/>
-  <p:timing>
-    <p:tnLst>
-      <p:par>
-        <p:cTn id="1" dur="indefinite" restart="never" nodeType="tmRoot"/>
-      </p:par>
-    </p:tnLst>
-  </p:timing>
-</p:sld>
-</file>
-
-<file path=ppt/slides/slide43.xml><?xml version="1.0" encoding="utf-8"?>
-<p:sld xmlns:a="http://schemas.openxmlformats.org/drawingml/2006/main" xmlns:r="http://schemas.openxmlformats.org/officeDocument/2006/relationships" xmlns:p="http://schemas.openxmlformats.org/presentationml/2006/main">
-  <p:cSld>
-    <p:spTree>
-      <p:nvGrpSpPr>
-        <p:cNvPr id="1" name=""/>
-        <p:cNvGrpSpPr/>
-        <p:nvPr/>
-      </p:nvGrpSpPr>
-      <p:grpSpPr>
-        <a:xfrm>
-          <a:off x="0" y="0"/>
-          <a:ext cx="0" cy="0"/>
-          <a:chOff x="0" y="0"/>
-          <a:chExt cx="0" cy="0"/>
-        </a:xfrm>
-      </p:grpSpPr>
-      <p:sp>
-        <p:nvSpPr>
-          <p:cNvPr id="2" name="Title 1"/>
-          <p:cNvSpPr>
-            <a:spLocks noGrp="1"/>
-          </p:cNvSpPr>
-          <p:nvPr>
-            <p:ph type="title"/>
-          </p:nvPr>
-        </p:nvSpPr>
-        <p:spPr>
-          <a:xfrm>
-            <a:off x="0" y="1"/>
-            <a:ext cx="9144000" cy="762000"/>
-          </a:xfrm>
-        </p:spPr>
-        <p:txBody>
-          <a:bodyPr/>
-          <a:lstStyle/>
-          <a:p>
-            <a:r>
-              <a:rPr lang="en-CA" b="1" dirty="0"/>
-              <a:t>Types of Keys</a:t>
-            </a:r>
-            <a:endParaRPr lang="en-US" b="1" dirty="0"/>
-          </a:p>
-        </p:txBody>
-      </p:sp>
-      <p:sp>
-        <p:nvSpPr>
-          <p:cNvPr id="3" name="Content Placeholder 2"/>
-          <p:cNvSpPr>
-            <a:spLocks noGrp="1"/>
-          </p:cNvSpPr>
-          <p:nvPr>
-            <p:ph idx="1"/>
-          </p:nvPr>
-        </p:nvSpPr>
-        <p:spPr>
-          <a:xfrm>
-            <a:off x="101600" y="914400"/>
-            <a:ext cx="9042400" cy="5943600"/>
-          </a:xfrm>
-        </p:spPr>
-        <p:txBody>
-          <a:bodyPr/>
-          <a:lstStyle/>
-          <a:p>
-            <a:pPr>
-              <a:lnSpc>
-                <a:spcPct val="150000"/>
-              </a:lnSpc>
-            </a:pPr>
-            <a:r>
-              <a:rPr lang="en-CA" b="1" dirty="0" smtClean="0"/>
-              <a:t>Foreign keys</a:t>
-            </a:r>
-          </a:p>
-          <a:p>
-            <a:pPr>
-              <a:lnSpc>
-                <a:spcPct val="150000"/>
-              </a:lnSpc>
-            </a:pPr>
-            <a:r>
-              <a:rPr lang="en-CA" sz="2400" dirty="0" smtClean="0"/>
-              <a:t>A </a:t>
-            </a:r>
-            <a:r>
-              <a:rPr lang="en-CA" sz="2400" dirty="0"/>
-              <a:t>set of attribute types FK in a relation R1 is a foreign key of R1 if two conditions are satisfied (referential integrity constraint) </a:t>
-            </a:r>
-            <a:endParaRPr lang="en-CA" sz="2400" dirty="0" smtClean="0"/>
-          </a:p>
-          <a:p>
-            <a:pPr lvl="1">
-              <a:lnSpc>
-                <a:spcPct val="150000"/>
-              </a:lnSpc>
-            </a:pPr>
-            <a:r>
-              <a:rPr lang="en-CA" sz="2200" dirty="0" smtClean="0"/>
-              <a:t>The </a:t>
-            </a:r>
-            <a:r>
-              <a:rPr lang="en-CA" sz="2200" dirty="0"/>
-              <a:t>attribute types in FK have the same domains as the primary key attribute types PK of a relation R</a:t>
-            </a:r>
-            <a:r>
-              <a:rPr lang="en-CA" sz="2200" baseline="-25000" dirty="0"/>
-              <a:t>2</a:t>
-            </a:r>
-            <a:r>
-              <a:rPr lang="en-CA" sz="2200" dirty="0"/>
-              <a:t> </a:t>
-            </a:r>
-            <a:endParaRPr lang="en-CA" sz="2200" dirty="0" smtClean="0"/>
-          </a:p>
-          <a:p>
-            <a:pPr lvl="1">
-              <a:lnSpc>
-                <a:spcPct val="150000"/>
-              </a:lnSpc>
-            </a:pPr>
-            <a:r>
-              <a:rPr lang="en-CA" sz="2200" dirty="0" smtClean="0"/>
-              <a:t>A </a:t>
-            </a:r>
-            <a:r>
-              <a:rPr lang="en-CA" sz="2200" dirty="0"/>
-              <a:t>value FK in a tuple t</a:t>
-            </a:r>
-            <a:r>
-              <a:rPr lang="en-CA" sz="2200" baseline="-25000" dirty="0"/>
-              <a:t>1</a:t>
-            </a:r>
-            <a:r>
-              <a:rPr lang="en-CA" sz="2200" dirty="0"/>
-              <a:t> of the current state r</a:t>
-            </a:r>
-            <a:r>
-              <a:rPr lang="en-CA" sz="2200" baseline="-25000" dirty="0"/>
-              <a:t>1</a:t>
-            </a:r>
-            <a:r>
-              <a:rPr lang="en-CA" sz="2200" dirty="0"/>
-              <a:t> either occurs as a value of PK for some tuple t</a:t>
-            </a:r>
-            <a:r>
-              <a:rPr lang="en-CA" sz="2200" baseline="-25000" dirty="0"/>
-              <a:t>2</a:t>
-            </a:r>
-            <a:r>
-              <a:rPr lang="en-CA" sz="2200" dirty="0"/>
-              <a:t> in the current state r</a:t>
-            </a:r>
-            <a:r>
-              <a:rPr lang="en-CA" sz="2200" baseline="-25000" dirty="0"/>
-              <a:t>2</a:t>
-            </a:r>
-            <a:r>
-              <a:rPr lang="en-CA" sz="2200" dirty="0"/>
-              <a:t> or is NULL</a:t>
-            </a:r>
-            <a:endParaRPr lang="en-US" sz="2200" dirty="0"/>
-          </a:p>
-        </p:txBody>
-      </p:sp>
-    </p:spTree>
-    <p:extLst>
-      <p:ext uri="{BB962C8B-B14F-4D97-AF65-F5344CB8AC3E}">
-        <p14:creationId xmlns:p14="http://schemas.microsoft.com/office/powerpoint/2010/main" val="751399602"/>
-      </p:ext>
-    </p:extLst>
-  </p:cSld>
-  <p:clrMapOvr>
-    <a:masterClrMapping/>
-  </p:clrMapOvr>
-  <p:transition spd="med"/>
-  <p:timing>
-    <p:tnLst>
-      <p:par>
-        <p:cTn id="1" dur="indefinite" restart="never" nodeType="tmRoot"/>
-      </p:par>
-    </p:tnLst>
-  </p:timing>
-</p:sld>
-</file>
-
-<file path=ppt/slides/slide44.xml><?xml version="1.0" encoding="utf-8"?>
-<p:sld xmlns:a="http://schemas.openxmlformats.org/drawingml/2006/main" xmlns:r="http://schemas.openxmlformats.org/officeDocument/2006/relationships" xmlns:p="http://schemas.openxmlformats.org/presentationml/2006/main">
-  <p:cSld>
-    <p:spTree>
-      <p:nvGrpSpPr>
-        <p:cNvPr id="1" name=""/>
-        <p:cNvGrpSpPr/>
-        <p:nvPr/>
-      </p:nvGrpSpPr>
-      <p:grpSpPr>
-        <a:xfrm>
-          <a:off x="0" y="0"/>
-          <a:ext cx="0" cy="0"/>
-          <a:chOff x="0" y="0"/>
-          <a:chExt cx="0" cy="0"/>
-        </a:xfrm>
-      </p:grpSpPr>
-      <p:sp>
-        <p:nvSpPr>
-          <p:cNvPr id="2" name="Title 1"/>
-          <p:cNvSpPr>
-            <a:spLocks noGrp="1"/>
-          </p:cNvSpPr>
-          <p:nvPr>
-            <p:ph type="title"/>
-          </p:nvPr>
-        </p:nvSpPr>
         <p:spPr>
           <a:xfrm>
             <a:off x="0" y="1"/>
@@ -32397,7 +31683,7 @@
         </p:blipFill>
         <p:spPr>
           <a:xfrm>
-            <a:off x="69273" y="1122218"/>
+            <a:off x="38100" y="990600"/>
             <a:ext cx="9067800" cy="5638799"/>
           </a:xfrm>
           <a:prstGeom prst="rect">
@@ -32426,7 +31712,7 @@
 </p:sld>
 </file>
 
-<file path=ppt/slides/slide45.xml><?xml version="1.0" encoding="utf-8"?>
+<file path=ppt/slides/slide41.xml><?xml version="1.0" encoding="utf-8"?>
 <p:sld xmlns:a="http://schemas.openxmlformats.org/drawingml/2006/main" xmlns:r="http://schemas.openxmlformats.org/officeDocument/2006/relationships" xmlns:p="http://schemas.openxmlformats.org/presentationml/2006/main">
   <p:cSld>
     <p:spTree>
@@ -32516,7 +31802,7 @@
 </p:sld>
 </file>
 
-<file path=ppt/slides/slide46.xml><?xml version="1.0" encoding="utf-8"?>
+<file path=ppt/slides/slide42.xml><?xml version="1.0" encoding="utf-8"?>
 <p:sld xmlns:a="http://schemas.openxmlformats.org/drawingml/2006/main" xmlns:r="http://schemas.openxmlformats.org/officeDocument/2006/relationships" xmlns:p="http://schemas.openxmlformats.org/presentationml/2006/main">
   <p:cSld>
     <p:spTree>
@@ -32695,7 +31981,7 @@
 </p:sld>
 </file>
 
-<file path=ppt/slides/slide47.xml><?xml version="1.0" encoding="utf-8"?>
+<file path=ppt/slides/slide43.xml><?xml version="1.0" encoding="utf-8"?>
 <p:sld xmlns:a="http://schemas.openxmlformats.org/drawingml/2006/main" xmlns:r="http://schemas.openxmlformats.org/officeDocument/2006/relationships" xmlns:p="http://schemas.openxmlformats.org/presentationml/2006/main">
   <p:cSld>
     <p:spTree>
@@ -32908,7 +32194,7 @@
 </p:sld>
 </file>
 
-<file path=ppt/slides/slide48.xml><?xml version="1.0" encoding="utf-8"?>
+<file path=ppt/slides/slide44.xml><?xml version="1.0" encoding="utf-8"?>
 <p:sld xmlns:a="http://schemas.openxmlformats.org/drawingml/2006/main" xmlns:r="http://schemas.openxmlformats.org/officeDocument/2006/relationships" xmlns:p="http://schemas.openxmlformats.org/presentationml/2006/main">
   <p:cSld>
     <p:spTree>
@@ -33254,7 +32540,7 @@
 </p:sld>
 </file>
 
-<file path=ppt/slides/slide49.xml><?xml version="1.0" encoding="utf-8"?>
+<file path=ppt/slides/slide45.xml><?xml version="1.0" encoding="utf-8"?>
 <p:sld xmlns:a="http://schemas.openxmlformats.org/drawingml/2006/main" xmlns:r="http://schemas.openxmlformats.org/officeDocument/2006/relationships" xmlns:p="http://schemas.openxmlformats.org/presentationml/2006/main">
   <p:cSld>
     <p:spTree>
@@ -33504,279 +32790,7 @@
 </p:sld>
 </file>
 
-<file path=ppt/slides/slide5.xml><?xml version="1.0" encoding="utf-8"?>
-<p:sld xmlns:a="http://schemas.openxmlformats.org/drawingml/2006/main" xmlns:r="http://schemas.openxmlformats.org/officeDocument/2006/relationships" xmlns:p="http://schemas.openxmlformats.org/presentationml/2006/main">
-  <p:cSld>
-    <p:spTree>
-      <p:nvGrpSpPr>
-        <p:cNvPr id="1" name=""/>
-        <p:cNvGrpSpPr/>
-        <p:nvPr/>
-      </p:nvGrpSpPr>
-      <p:grpSpPr>
-        <a:xfrm>
-          <a:off x="0" y="0"/>
-          <a:ext cx="0" cy="0"/>
-          <a:chOff x="0" y="0"/>
-          <a:chExt cx="0" cy="0"/>
-        </a:xfrm>
-      </p:grpSpPr>
-      <p:sp>
-        <p:nvSpPr>
-          <p:cNvPr id="18435" name="Rectangle 4"/>
-          <p:cNvSpPr>
-            <a:spLocks noGrp="1" noChangeArrowheads="1"/>
-          </p:cNvSpPr>
-          <p:nvPr>
-            <p:ph type="title"/>
-          </p:nvPr>
-        </p:nvSpPr>
-        <p:spPr/>
-        <p:txBody>
-          <a:bodyPr/>
-          <a:lstStyle/>
-          <a:p>
-            <a:pPr eaLnBrk="1" hangingPunct="1"/>
-            <a:r>
-              <a:rPr lang="en-US" altLang="en-US" smtClean="0"/>
-              <a:t>Categories of Data Models</a:t>
-            </a:r>
-          </a:p>
-        </p:txBody>
-      </p:sp>
-      <p:sp>
-        <p:nvSpPr>
-          <p:cNvPr id="8196" name="Rectangle 5"/>
-          <p:cNvSpPr>
-            <a:spLocks noGrp="1" noChangeArrowheads="1"/>
-          </p:cNvSpPr>
-          <p:nvPr>
-            <p:ph type="body" idx="1"/>
-          </p:nvPr>
-        </p:nvSpPr>
-        <p:spPr>
-          <a:xfrm>
-            <a:off x="127000" y="914400"/>
-            <a:ext cx="8864600" cy="5638800"/>
-          </a:xfrm>
-        </p:spPr>
-        <p:txBody>
-          <a:bodyPr/>
-          <a:lstStyle/>
-          <a:p>
-            <a:pPr eaLnBrk="1" hangingPunct="1">
-              <a:lnSpc>
-                <a:spcPct val="90000"/>
-              </a:lnSpc>
-              <a:defRPr/>
-            </a:pPr>
-            <a:r>
-              <a:rPr lang="en-US" altLang="en-US" sz="2400" b="1" dirty="0">
-                <a:ea typeface="+mn-ea"/>
-                <a:cs typeface="+mn-cs"/>
-              </a:rPr>
-              <a:t>Conceptual (high-level, semantic) data models:</a:t>
-            </a:r>
-          </a:p>
-          <a:p>
-            <a:pPr lvl="1" eaLnBrk="1" hangingPunct="1">
-              <a:lnSpc>
-                <a:spcPct val="90000"/>
-              </a:lnSpc>
-              <a:defRPr/>
-            </a:pPr>
-            <a:r>
-              <a:rPr lang="en-US" altLang="en-US" sz="2200" dirty="0" smtClean="0">
-                <a:ea typeface="ＭＳ Ｐゴシック" charset="0"/>
-              </a:rPr>
-              <a:t>Provide concepts that are close to the way many users perceive data. </a:t>
-            </a:r>
-          </a:p>
-          <a:p>
-            <a:pPr lvl="2" eaLnBrk="1" hangingPunct="1">
-              <a:lnSpc>
-                <a:spcPct val="90000"/>
-              </a:lnSpc>
-              <a:defRPr/>
-            </a:pPr>
-            <a:r>
-              <a:rPr lang="en-US" altLang="en-US" sz="2000" dirty="0" smtClean="0">
-                <a:ea typeface="ＭＳ Ｐゴシック" charset="0"/>
-              </a:rPr>
-              <a:t>(Also called </a:t>
-            </a:r>
-            <a:r>
-              <a:rPr lang="en-US" altLang="en-US" sz="2000" b="1" i="1" dirty="0" smtClean="0">
-                <a:ea typeface="ＭＳ Ｐゴシック" charset="0"/>
-              </a:rPr>
-              <a:t>entity-based</a:t>
-            </a:r>
-            <a:r>
-              <a:rPr lang="en-US" altLang="en-US" sz="2000" i="1" dirty="0" smtClean="0">
-                <a:ea typeface="ＭＳ Ｐゴシック" charset="0"/>
-              </a:rPr>
-              <a:t> </a:t>
-            </a:r>
-            <a:r>
-              <a:rPr lang="en-US" altLang="en-US" sz="2000" dirty="0" smtClean="0">
-                <a:ea typeface="ＭＳ Ｐゴシック" charset="0"/>
-              </a:rPr>
-              <a:t>or</a:t>
-            </a:r>
-            <a:r>
-              <a:rPr lang="en-US" altLang="en-US" sz="2000" i="1" dirty="0" smtClean="0">
-                <a:ea typeface="ＭＳ Ｐゴシック" charset="0"/>
-              </a:rPr>
-              <a:t> </a:t>
-            </a:r>
-            <a:r>
-              <a:rPr lang="en-US" altLang="en-US" sz="2000" b="1" i="1" dirty="0" smtClean="0">
-                <a:ea typeface="ＭＳ Ｐゴシック" charset="0"/>
-              </a:rPr>
-              <a:t>object-based</a:t>
-            </a:r>
-            <a:r>
-              <a:rPr lang="en-US" altLang="en-US" sz="2000" dirty="0" smtClean="0">
-                <a:ea typeface="ＭＳ Ｐゴシック" charset="0"/>
-              </a:rPr>
-              <a:t> data models.)</a:t>
-            </a:r>
-          </a:p>
-          <a:p>
-            <a:pPr eaLnBrk="1" hangingPunct="1">
-              <a:lnSpc>
-                <a:spcPct val="90000"/>
-              </a:lnSpc>
-              <a:defRPr/>
-            </a:pPr>
-            <a:r>
-              <a:rPr lang="en-US" altLang="en-US" sz="2400" b="1" dirty="0" smtClean="0">
-                <a:ea typeface="+mn-ea"/>
-                <a:cs typeface="+mn-cs"/>
-              </a:rPr>
-              <a:t>Physical </a:t>
-            </a:r>
-            <a:r>
-              <a:rPr lang="en-US" altLang="en-US" sz="2400" b="1" dirty="0">
-                <a:ea typeface="+mn-ea"/>
-                <a:cs typeface="+mn-cs"/>
-              </a:rPr>
-              <a:t>(low-level, internal) data models:</a:t>
-            </a:r>
-          </a:p>
-          <a:p>
-            <a:pPr lvl="1" eaLnBrk="1" hangingPunct="1">
-              <a:lnSpc>
-                <a:spcPct val="90000"/>
-              </a:lnSpc>
-              <a:defRPr/>
-            </a:pPr>
-            <a:r>
-              <a:rPr lang="en-US" altLang="en-US" sz="2200" dirty="0">
-                <a:ea typeface="ＭＳ Ｐゴシック" charset="0"/>
-              </a:rPr>
-              <a:t>Provide concepts that describe details of how data is stored in the computer. These are usually specified in an ad-hoc manner through DBMS design and administration manuals</a:t>
-            </a:r>
-          </a:p>
-          <a:p>
-            <a:pPr eaLnBrk="1" hangingPunct="1">
-              <a:lnSpc>
-                <a:spcPct val="90000"/>
-              </a:lnSpc>
-              <a:defRPr/>
-            </a:pPr>
-            <a:r>
-              <a:rPr lang="en-US" altLang="en-US" sz="2400" b="1" dirty="0" smtClean="0">
-                <a:ea typeface="+mn-ea"/>
-                <a:cs typeface="+mn-cs"/>
-              </a:rPr>
-              <a:t>Implementation </a:t>
-            </a:r>
-            <a:r>
-              <a:rPr lang="en-US" altLang="en-US" sz="2400" b="1" dirty="0">
-                <a:ea typeface="+mn-ea"/>
-                <a:cs typeface="+mn-cs"/>
-              </a:rPr>
-              <a:t>(representational) data models:</a:t>
-            </a:r>
-          </a:p>
-          <a:p>
-            <a:pPr lvl="1" eaLnBrk="1" hangingPunct="1">
-              <a:lnSpc>
-                <a:spcPct val="90000"/>
-              </a:lnSpc>
-              <a:defRPr/>
-            </a:pPr>
-            <a:r>
-              <a:rPr lang="en-US" altLang="en-US" sz="2200" dirty="0">
-                <a:ea typeface="ＭＳ Ｐゴシック" charset="0"/>
-              </a:rPr>
-              <a:t>Provide concepts that fall between the above two, used by many commercial DBMS implementations (e.g. relational data models used in many commercial systems).</a:t>
-            </a:r>
-          </a:p>
-          <a:p>
-            <a:pPr eaLnBrk="1" hangingPunct="1">
-              <a:lnSpc>
-                <a:spcPct val="90000"/>
-              </a:lnSpc>
-              <a:defRPr/>
-            </a:pPr>
-            <a:r>
-              <a:rPr lang="en-US" altLang="en-US" sz="2400" b="1" dirty="0">
-                <a:ea typeface="+mn-ea"/>
-                <a:cs typeface="+mn-cs"/>
-              </a:rPr>
-              <a:t>Self-Describing Data Models:</a:t>
-            </a:r>
-          </a:p>
-          <a:p>
-            <a:pPr lvl="1" eaLnBrk="1" hangingPunct="1">
-              <a:lnSpc>
-                <a:spcPct val="90000"/>
-              </a:lnSpc>
-              <a:defRPr/>
-            </a:pPr>
-            <a:r>
-              <a:rPr lang="en-US" altLang="en-US" sz="2200" dirty="0">
-                <a:ea typeface="ＭＳ Ｐゴシック" charset="0"/>
-              </a:rPr>
-              <a:t>Combine the description of data with the data values. Examples include XML, key-value stores and some NOSQL systems.</a:t>
-            </a:r>
-          </a:p>
-          <a:p>
-            <a:pPr lvl="1" eaLnBrk="1" hangingPunct="1">
-              <a:lnSpc>
-                <a:spcPct val="90000"/>
-              </a:lnSpc>
-              <a:defRPr/>
-            </a:pPr>
-            <a:endParaRPr lang="en-US" altLang="en-US" sz="2400" b="1" dirty="0">
-              <a:solidFill>
-                <a:schemeClr val="tx2"/>
-              </a:solidFill>
-              <a:ea typeface="+mn-ea"/>
-              <a:cs typeface="+mn-cs"/>
-            </a:endParaRPr>
-          </a:p>
-        </p:txBody>
-      </p:sp>
-    </p:spTree>
-  </p:cSld>
-  <p:clrMapOvr>
-    <a:masterClrMapping/>
-  </p:clrMapOvr>
-  <p:transition spd="med"/>
-  <p:timing>
-    <p:tnLst>
-      <p:par>
-        <p:cTn id="1" dur="indefinite" restart="never" nodeType="tmRoot"/>
-      </p:par>
-    </p:tnLst>
-  </p:timing>
-</p:sld>
-</file>
-
-<file path=ppt/slides/slide50.xml><?xml version="1.0" encoding="utf-8"?>
+<file path=ppt/slides/slide46.xml><?xml version="1.0" encoding="utf-8"?>
 <p:sld xmlns:a="http://schemas.openxmlformats.org/drawingml/2006/main" xmlns:r="http://schemas.openxmlformats.org/officeDocument/2006/relationships" xmlns:p="http://schemas.openxmlformats.org/presentationml/2006/main">
   <p:cSld>
     <p:spTree>
@@ -33803,7 +32817,12 @@
             <p:ph type="title"/>
           </p:nvPr>
         </p:nvSpPr>
-        <p:spPr/>
+        <p:spPr>
+          <a:xfrm>
+            <a:off x="0" y="4618"/>
+            <a:ext cx="9144000" cy="720725"/>
+          </a:xfrm>
+        </p:spPr>
         <p:txBody>
           <a:bodyPr/>
           <a:lstStyle/>
@@ -33828,8 +32847,8 @@
         </p:nvSpPr>
         <p:spPr>
           <a:xfrm>
-            <a:off x="101600" y="914400"/>
-            <a:ext cx="9042400" cy="5943600"/>
+            <a:off x="101600" y="838200"/>
+            <a:ext cx="8966200" cy="5943600"/>
           </a:xfrm>
         </p:spPr>
         <p:txBody>
@@ -33936,21 +32955,8 @@
             </a:pPr>
             <a:r>
               <a:rPr lang="en-US" altLang="en-US" sz="2400" dirty="0" smtClean="0"/>
-              <a:t>Next </a:t>
-            </a:r>
-            <a:r>
-              <a:rPr lang="en-US" altLang="en-US" sz="2400" dirty="0" smtClean="0"/>
-              <a:t>slide </a:t>
-            </a:r>
-            <a:r>
-              <a:rPr lang="en-US" altLang="en-US" sz="2400" dirty="0" smtClean="0"/>
-              <a:t>shows an example state for the COMPANY database </a:t>
-            </a:r>
-            <a:r>
-              <a:rPr lang="en-US" altLang="en-US" sz="2400" dirty="0" smtClean="0"/>
-              <a:t>schema</a:t>
-            </a:r>
-            <a:endParaRPr lang="en-US" altLang="en-US" sz="2400" dirty="0" smtClean="0"/>
+              <a:t>Next slide shows an example state for the COMPANY database schema</a:t>
+            </a:r>
           </a:p>
         </p:txBody>
       </p:sp>
@@ -33975,7 +32981,7 @@
 </p:sld>
 </file>
 
-<file path=ppt/slides/slide51.xml><?xml version="1.0" encoding="utf-8"?>
+<file path=ppt/slides/slide47.xml><?xml version="1.0" encoding="utf-8"?>
 <p:sld xmlns:a="http://schemas.openxmlformats.org/drawingml/2006/main" xmlns:r="http://schemas.openxmlformats.org/officeDocument/2006/relationships" xmlns:p="http://schemas.openxmlformats.org/presentationml/2006/main">
   <p:cSld>
     <p:spTree>
@@ -34494,7 +33500,7 @@
 </p:sld>
 </file>
 
-<file path=ppt/slides/slide52.xml><?xml version="1.0" encoding="utf-8"?>
+<file path=ppt/slides/slide48.xml><?xml version="1.0" encoding="utf-8"?>
 <p:sld xmlns:a="http://schemas.openxmlformats.org/drawingml/2006/main" xmlns:r="http://schemas.openxmlformats.org/officeDocument/2006/relationships" xmlns:p="http://schemas.openxmlformats.org/presentationml/2006/main">
   <p:cSld>
     <p:spTree>
@@ -34556,68 +33562,68 @@
           <a:p>
             <a:pPr eaLnBrk="1" hangingPunct="1"/>
             <a:r>
-              <a:rPr lang="en-US" altLang="en-US" sz="2400" b="1" smtClean="0"/>
+              <a:rPr lang="en-US" altLang="en-US" sz="2400" b="1" dirty="0" smtClean="0"/>
               <a:t>Entity Integrity:</a:t>
             </a:r>
           </a:p>
           <a:p>
             <a:pPr lvl="1" eaLnBrk="1" hangingPunct="1"/>
             <a:r>
-              <a:rPr lang="en-US" altLang="en-US" sz="2400" smtClean="0"/>
+              <a:rPr lang="en-US" altLang="en-US" sz="2400" dirty="0" smtClean="0"/>
               <a:t>The </a:t>
             </a:r>
             <a:r>
-              <a:rPr lang="en-US" altLang="en-US" sz="2400" i="1" smtClean="0"/>
+              <a:rPr lang="en-US" altLang="en-US" sz="2400" i="1" dirty="0" smtClean="0"/>
               <a:t>primary key attributes</a:t>
             </a:r>
             <a:r>
-              <a:rPr lang="en-US" altLang="en-US" sz="2400" smtClean="0"/>
+              <a:rPr lang="en-US" altLang="en-US" sz="2400" dirty="0" smtClean="0"/>
               <a:t> PK of each relation schema R in S cannot have null values in any tuple of r(R).</a:t>
             </a:r>
           </a:p>
           <a:p>
             <a:pPr lvl="2" eaLnBrk="1" hangingPunct="1"/>
             <a:r>
-              <a:rPr lang="en-US" altLang="en-US" sz="2000" smtClean="0"/>
+              <a:rPr lang="en-US" altLang="en-US" sz="2000" dirty="0" smtClean="0"/>
               <a:t>This is because primary key values are used to </a:t>
             </a:r>
             <a:r>
-              <a:rPr lang="en-US" altLang="en-US" sz="2000" i="1" smtClean="0"/>
+              <a:rPr lang="en-US" altLang="en-US" sz="2000" i="1" dirty="0" smtClean="0"/>
               <a:t>identify</a:t>
             </a:r>
             <a:r>
-              <a:rPr lang="en-US" altLang="en-US" sz="2000" smtClean="0"/>
+              <a:rPr lang="en-US" altLang="en-US" sz="2000" dirty="0" smtClean="0"/>
               <a:t> the individual tuples.</a:t>
             </a:r>
           </a:p>
           <a:p>
             <a:pPr lvl="2" eaLnBrk="1" hangingPunct="1"/>
             <a:r>
-              <a:rPr lang="en-US" altLang="en-US" sz="2000" smtClean="0"/>
+              <a:rPr lang="en-US" altLang="en-US" sz="2000" dirty="0" smtClean="0"/>
               <a:t>t[PK] </a:t>
             </a:r>
             <a:r>
-              <a:rPr lang="en-US" altLang="en-US" sz="2000" smtClean="0">
+              <a:rPr lang="en-US" altLang="en-US" sz="2000" dirty="0" smtClean="0">
                 <a:sym typeface="Symbol" panose="05050102010706020507" pitchFamily="18" charset="2"/>
               </a:rPr>
               <a:t></a:t>
             </a:r>
             <a:r>
-              <a:rPr lang="en-US" altLang="en-US" sz="2000" smtClean="0"/>
+              <a:rPr lang="en-US" altLang="en-US" sz="2000" dirty="0" smtClean="0"/>
               <a:t> null for any tuple t in r(R)</a:t>
             </a:r>
           </a:p>
           <a:p>
             <a:pPr lvl="2" eaLnBrk="1" hangingPunct="1"/>
             <a:r>
-              <a:rPr lang="en-US" altLang="en-US" sz="2000" smtClean="0"/>
+              <a:rPr lang="en-US" altLang="en-US" sz="2000" dirty="0" smtClean="0"/>
               <a:t>If PK has several attributes, null is not allowed in any of these attributes</a:t>
             </a:r>
           </a:p>
           <a:p>
             <a:pPr lvl="1" eaLnBrk="1" hangingPunct="1"/>
             <a:r>
-              <a:rPr lang="en-US" altLang="en-US" sz="2400" smtClean="0"/>
+              <a:rPr lang="en-US" altLang="en-US" sz="2400" dirty="0" smtClean="0"/>
               <a:t>Note: Other attributes of R may be constrained  to disallow null values, even though they are not members of the primary key.</a:t>
             </a:r>
           </a:p>
@@ -34644,7 +33650,7 @@
 </p:sld>
 </file>
 
-<file path=ppt/slides/slide53.xml><?xml version="1.0" encoding="utf-8"?>
+<file path=ppt/slides/slide49.xml><?xml version="1.0" encoding="utf-8"?>
 <p:sld xmlns:a="http://schemas.openxmlformats.org/drawingml/2006/main" xmlns:r="http://schemas.openxmlformats.org/officeDocument/2006/relationships" xmlns:p="http://schemas.openxmlformats.org/presentationml/2006/main">
   <p:cSld>
     <p:spTree>
@@ -34671,14 +33677,19 @@
             <p:ph type="title"/>
           </p:nvPr>
         </p:nvSpPr>
-        <p:spPr/>
+        <p:spPr>
+          <a:xfrm>
+            <a:off x="0" y="4618"/>
+            <a:ext cx="9144000" cy="720725"/>
+          </a:xfrm>
+        </p:spPr>
         <p:txBody>
           <a:bodyPr/>
           <a:lstStyle/>
           <a:p>
             <a:pPr eaLnBrk="1" hangingPunct="1"/>
             <a:r>
-              <a:rPr lang="en-US" altLang="en-US" smtClean="0"/>
+              <a:rPr lang="en-US" altLang="en-US" dirty="0" smtClean="0"/>
               <a:t>Referential Integrity</a:t>
             </a:r>
           </a:p>
@@ -35212,7 +34223,279 @@
 </p:sld>
 </file>
 
-<file path=ppt/slides/slide54.xml><?xml version="1.0" encoding="utf-8"?>
+<file path=ppt/slides/slide5.xml><?xml version="1.0" encoding="utf-8"?>
+<p:sld xmlns:a="http://schemas.openxmlformats.org/drawingml/2006/main" xmlns:r="http://schemas.openxmlformats.org/officeDocument/2006/relationships" xmlns:p="http://schemas.openxmlformats.org/presentationml/2006/main">
+  <p:cSld>
+    <p:spTree>
+      <p:nvGrpSpPr>
+        <p:cNvPr id="1" name=""/>
+        <p:cNvGrpSpPr/>
+        <p:nvPr/>
+      </p:nvGrpSpPr>
+      <p:grpSpPr>
+        <a:xfrm>
+          <a:off x="0" y="0"/>
+          <a:ext cx="0" cy="0"/>
+          <a:chOff x="0" y="0"/>
+          <a:chExt cx="0" cy="0"/>
+        </a:xfrm>
+      </p:grpSpPr>
+      <p:sp>
+        <p:nvSpPr>
+          <p:cNvPr id="18435" name="Rectangle 4"/>
+          <p:cNvSpPr>
+            <a:spLocks noGrp="1" noChangeArrowheads="1"/>
+          </p:cNvSpPr>
+          <p:nvPr>
+            <p:ph type="title"/>
+          </p:nvPr>
+        </p:nvSpPr>
+        <p:spPr/>
+        <p:txBody>
+          <a:bodyPr/>
+          <a:lstStyle/>
+          <a:p>
+            <a:pPr eaLnBrk="1" hangingPunct="1"/>
+            <a:r>
+              <a:rPr lang="en-US" altLang="en-US" smtClean="0"/>
+              <a:t>Categories of Data Models</a:t>
+            </a:r>
+          </a:p>
+        </p:txBody>
+      </p:sp>
+      <p:sp>
+        <p:nvSpPr>
+          <p:cNvPr id="8196" name="Rectangle 5"/>
+          <p:cNvSpPr>
+            <a:spLocks noGrp="1" noChangeArrowheads="1"/>
+          </p:cNvSpPr>
+          <p:nvPr>
+            <p:ph type="body" idx="1"/>
+          </p:nvPr>
+        </p:nvSpPr>
+        <p:spPr>
+          <a:xfrm>
+            <a:off x="127000" y="914400"/>
+            <a:ext cx="8864600" cy="5638800"/>
+          </a:xfrm>
+        </p:spPr>
+        <p:txBody>
+          <a:bodyPr/>
+          <a:lstStyle/>
+          <a:p>
+            <a:pPr eaLnBrk="1" hangingPunct="1">
+              <a:lnSpc>
+                <a:spcPct val="90000"/>
+              </a:lnSpc>
+              <a:defRPr/>
+            </a:pPr>
+            <a:r>
+              <a:rPr lang="en-US" altLang="en-US" sz="2400" b="1" dirty="0">
+                <a:ea typeface="+mn-ea"/>
+                <a:cs typeface="+mn-cs"/>
+              </a:rPr>
+              <a:t>Conceptual (high-level, semantic) data models:</a:t>
+            </a:r>
+          </a:p>
+          <a:p>
+            <a:pPr lvl="1" eaLnBrk="1" hangingPunct="1">
+              <a:lnSpc>
+                <a:spcPct val="90000"/>
+              </a:lnSpc>
+              <a:defRPr/>
+            </a:pPr>
+            <a:r>
+              <a:rPr lang="en-US" altLang="en-US" sz="2200" dirty="0" smtClean="0">
+                <a:ea typeface="ＭＳ Ｐゴシック" charset="0"/>
+              </a:rPr>
+              <a:t>Provide concepts that are close to the way many users perceive data. </a:t>
+            </a:r>
+          </a:p>
+          <a:p>
+            <a:pPr lvl="2" eaLnBrk="1" hangingPunct="1">
+              <a:lnSpc>
+                <a:spcPct val="90000"/>
+              </a:lnSpc>
+              <a:defRPr/>
+            </a:pPr>
+            <a:r>
+              <a:rPr lang="en-US" altLang="en-US" sz="2000" dirty="0" smtClean="0">
+                <a:ea typeface="ＭＳ Ｐゴシック" charset="0"/>
+              </a:rPr>
+              <a:t>(Also called </a:t>
+            </a:r>
+            <a:r>
+              <a:rPr lang="en-US" altLang="en-US" sz="2000" b="1" i="1" dirty="0" smtClean="0">
+                <a:ea typeface="ＭＳ Ｐゴシック" charset="0"/>
+              </a:rPr>
+              <a:t>entity-based</a:t>
+            </a:r>
+            <a:r>
+              <a:rPr lang="en-US" altLang="en-US" sz="2000" i="1" dirty="0" smtClean="0">
+                <a:ea typeface="ＭＳ Ｐゴシック" charset="0"/>
+              </a:rPr>
+              <a:t> </a:t>
+            </a:r>
+            <a:r>
+              <a:rPr lang="en-US" altLang="en-US" sz="2000" dirty="0" smtClean="0">
+                <a:ea typeface="ＭＳ Ｐゴシック" charset="0"/>
+              </a:rPr>
+              <a:t>or</a:t>
+            </a:r>
+            <a:r>
+              <a:rPr lang="en-US" altLang="en-US" sz="2000" i="1" dirty="0" smtClean="0">
+                <a:ea typeface="ＭＳ Ｐゴシック" charset="0"/>
+              </a:rPr>
+              <a:t> </a:t>
+            </a:r>
+            <a:r>
+              <a:rPr lang="en-US" altLang="en-US" sz="2000" b="1" i="1" dirty="0" smtClean="0">
+                <a:ea typeface="ＭＳ Ｐゴシック" charset="0"/>
+              </a:rPr>
+              <a:t>object-based</a:t>
+            </a:r>
+            <a:r>
+              <a:rPr lang="en-US" altLang="en-US" sz="2000" dirty="0" smtClean="0">
+                <a:ea typeface="ＭＳ Ｐゴシック" charset="0"/>
+              </a:rPr>
+              <a:t> data models.)</a:t>
+            </a:r>
+          </a:p>
+          <a:p>
+            <a:pPr eaLnBrk="1" hangingPunct="1">
+              <a:lnSpc>
+                <a:spcPct val="90000"/>
+              </a:lnSpc>
+              <a:defRPr/>
+            </a:pPr>
+            <a:r>
+              <a:rPr lang="en-US" altLang="en-US" sz="2400" b="1" dirty="0" smtClean="0">
+                <a:ea typeface="+mn-ea"/>
+                <a:cs typeface="+mn-cs"/>
+              </a:rPr>
+              <a:t>Physical </a:t>
+            </a:r>
+            <a:r>
+              <a:rPr lang="en-US" altLang="en-US" sz="2400" b="1" dirty="0">
+                <a:ea typeface="+mn-ea"/>
+                <a:cs typeface="+mn-cs"/>
+              </a:rPr>
+              <a:t>(low-level, internal) data models:</a:t>
+            </a:r>
+          </a:p>
+          <a:p>
+            <a:pPr lvl="1" eaLnBrk="1" hangingPunct="1">
+              <a:lnSpc>
+                <a:spcPct val="90000"/>
+              </a:lnSpc>
+              <a:defRPr/>
+            </a:pPr>
+            <a:r>
+              <a:rPr lang="en-US" altLang="en-US" sz="2200" dirty="0">
+                <a:ea typeface="ＭＳ Ｐゴシック" charset="0"/>
+              </a:rPr>
+              <a:t>Provide concepts that describe details of how data is stored in the computer. These are usually specified in an ad-hoc manner through DBMS design and administration manuals</a:t>
+            </a:r>
+          </a:p>
+          <a:p>
+            <a:pPr eaLnBrk="1" hangingPunct="1">
+              <a:lnSpc>
+                <a:spcPct val="90000"/>
+              </a:lnSpc>
+              <a:defRPr/>
+            </a:pPr>
+            <a:r>
+              <a:rPr lang="en-US" altLang="en-US" sz="2400" b="1" dirty="0" smtClean="0">
+                <a:ea typeface="+mn-ea"/>
+                <a:cs typeface="+mn-cs"/>
+              </a:rPr>
+              <a:t>Implementation </a:t>
+            </a:r>
+            <a:r>
+              <a:rPr lang="en-US" altLang="en-US" sz="2400" b="1" dirty="0">
+                <a:ea typeface="+mn-ea"/>
+                <a:cs typeface="+mn-cs"/>
+              </a:rPr>
+              <a:t>(representational) data models:</a:t>
+            </a:r>
+          </a:p>
+          <a:p>
+            <a:pPr lvl="1" eaLnBrk="1" hangingPunct="1">
+              <a:lnSpc>
+                <a:spcPct val="90000"/>
+              </a:lnSpc>
+              <a:defRPr/>
+            </a:pPr>
+            <a:r>
+              <a:rPr lang="en-US" altLang="en-US" sz="2200" dirty="0">
+                <a:ea typeface="ＭＳ Ｐゴシック" charset="0"/>
+              </a:rPr>
+              <a:t>Provide concepts that fall between the above two, used by many commercial DBMS implementations (e.g. relational data models used in many commercial systems).</a:t>
+            </a:r>
+          </a:p>
+          <a:p>
+            <a:pPr eaLnBrk="1" hangingPunct="1">
+              <a:lnSpc>
+                <a:spcPct val="90000"/>
+              </a:lnSpc>
+              <a:defRPr/>
+            </a:pPr>
+            <a:r>
+              <a:rPr lang="en-US" altLang="en-US" sz="2400" b="1" dirty="0">
+                <a:ea typeface="+mn-ea"/>
+                <a:cs typeface="+mn-cs"/>
+              </a:rPr>
+              <a:t>Self-Describing Data Models:</a:t>
+            </a:r>
+          </a:p>
+          <a:p>
+            <a:pPr lvl="1" eaLnBrk="1" hangingPunct="1">
+              <a:lnSpc>
+                <a:spcPct val="90000"/>
+              </a:lnSpc>
+              <a:defRPr/>
+            </a:pPr>
+            <a:r>
+              <a:rPr lang="en-US" altLang="en-US" sz="2200" dirty="0">
+                <a:ea typeface="ＭＳ Ｐゴシック" charset="0"/>
+              </a:rPr>
+              <a:t>Combine the description of data with the data values. Examples include XML, key-value stores and some NOSQL systems.</a:t>
+            </a:r>
+          </a:p>
+          <a:p>
+            <a:pPr lvl="1" eaLnBrk="1" hangingPunct="1">
+              <a:lnSpc>
+                <a:spcPct val="90000"/>
+              </a:lnSpc>
+              <a:defRPr/>
+            </a:pPr>
+            <a:endParaRPr lang="en-US" altLang="en-US" sz="2400" b="1" dirty="0">
+              <a:solidFill>
+                <a:schemeClr val="tx2"/>
+              </a:solidFill>
+              <a:ea typeface="+mn-ea"/>
+              <a:cs typeface="+mn-cs"/>
+            </a:endParaRPr>
+          </a:p>
+        </p:txBody>
+      </p:sp>
+    </p:spTree>
+  </p:cSld>
+  <p:clrMapOvr>
+    <a:masterClrMapping/>
+  </p:clrMapOvr>
+  <p:transition spd="med"/>
+  <p:timing>
+    <p:tnLst>
+      <p:par>
+        <p:cTn id="1" dur="indefinite" restart="never" nodeType="tmRoot"/>
+      </p:par>
+    </p:tnLst>
+  </p:timing>
+</p:sld>
+</file>
+
+<file path=ppt/slides/slide50.xml><?xml version="1.0" encoding="utf-8"?>
 <p:sld xmlns:a="http://schemas.openxmlformats.org/drawingml/2006/main" xmlns:r="http://schemas.openxmlformats.org/officeDocument/2006/relationships" xmlns:p="http://schemas.openxmlformats.org/presentationml/2006/main">
   <p:cSld>
     <p:spTree>
@@ -35299,11 +34582,7 @@
             </a:r>
             <a:r>
               <a:rPr lang="en-US" altLang="en-US" b="1" dirty="0" smtClean="0"/>
-              <a:t>referencing </a:t>
-            </a:r>
-            <a:r>
-              <a:rPr lang="en-US" altLang="en-US" b="1" dirty="0" smtClean="0"/>
-              <a:t>relation</a:t>
+              <a:t>referencing relation</a:t>
             </a:r>
             <a:r>
               <a:rPr lang="en-US" altLang="en-US" dirty="0" smtClean="0"/>
@@ -35426,7 +34705,7 @@
 </p:sld>
 </file>
 
-<file path=ppt/slides/slide55.xml><?xml version="1.0" encoding="utf-8"?>
+<file path=ppt/slides/slide51.xml><?xml version="1.0" encoding="utf-8"?>
 <p:sld xmlns:a="http://schemas.openxmlformats.org/drawingml/2006/main" xmlns:r="http://schemas.openxmlformats.org/officeDocument/2006/relationships" xmlns:p="http://schemas.openxmlformats.org/presentationml/2006/main">
   <p:cSld>
     <p:spTree>
@@ -35455,7 +34734,7 @@
         </p:nvSpPr>
         <p:spPr>
           <a:xfrm>
-            <a:off x="0" y="41275"/>
+            <a:off x="0" y="0"/>
             <a:ext cx="9144000" cy="873125"/>
           </a:xfrm>
         </p:spPr>
@@ -35465,7 +34744,7 @@
           <a:p>
             <a:pPr eaLnBrk="1" hangingPunct="1"/>
             <a:r>
-              <a:rPr lang="en-US" altLang="en-US" sz="2800" dirty="0" smtClean="0"/>
+              <a:rPr lang="en-US" altLang="en-US" sz="2800" b="1" dirty="0" smtClean="0"/>
               <a:t>Displaying a relational database schema and its constraints</a:t>
             </a:r>
           </a:p>
@@ -35583,7 +34862,7 @@
 </p:sld>
 </file>
 
-<file path=ppt/slides/slide56.xml><?xml version="1.0" encoding="utf-8"?>
+<file path=ppt/slides/slide52.xml><?xml version="1.0" encoding="utf-8"?>
 <p:sld xmlns:a="http://schemas.openxmlformats.org/drawingml/2006/main" xmlns:r="http://schemas.openxmlformats.org/officeDocument/2006/relationships" xmlns:p="http://schemas.openxmlformats.org/presentationml/2006/main">
   <p:cSld>
     <p:spTree>
@@ -35897,7 +35176,7 @@
 </p:sld>
 </file>
 
-<file path=ppt/slides/slide57.xml><?xml version="1.0" encoding="utf-8"?>
+<file path=ppt/slides/slide53.xml><?xml version="1.0" encoding="utf-8"?>
 <p:sld xmlns:a="http://schemas.openxmlformats.org/drawingml/2006/main" xmlns:r="http://schemas.openxmlformats.org/officeDocument/2006/relationships" xmlns:p="http://schemas.openxmlformats.org/presentationml/2006/main">
   <p:cSld>
     <p:spTree>
@@ -36061,6 +35340,654 @@
     <p:extLst>
       <p:ext uri="{BB962C8B-B14F-4D97-AF65-F5344CB8AC3E}">
         <p14:creationId xmlns:p14="http://schemas.microsoft.com/office/powerpoint/2010/main" val="2335119787"/>
+      </p:ext>
+    </p:extLst>
+  </p:cSld>
+  <p:clrMapOvr>
+    <a:masterClrMapping/>
+  </p:clrMapOvr>
+  <p:transition spd="med"/>
+  <p:timing>
+    <p:tnLst>
+      <p:par>
+        <p:cTn id="1" dur="indefinite" restart="never" nodeType="tmRoot"/>
+      </p:par>
+    </p:tnLst>
+  </p:timing>
+</p:sld>
+</file>
+
+<file path=ppt/slides/slide54.xml><?xml version="1.0" encoding="utf-8"?>
+<p:sld xmlns:a="http://schemas.openxmlformats.org/drawingml/2006/main" xmlns:r="http://schemas.openxmlformats.org/officeDocument/2006/relationships" xmlns:p="http://schemas.openxmlformats.org/presentationml/2006/main">
+  <p:cSld>
+    <p:spTree>
+      <p:nvGrpSpPr>
+        <p:cNvPr id="1" name=""/>
+        <p:cNvGrpSpPr/>
+        <p:nvPr/>
+      </p:nvGrpSpPr>
+      <p:grpSpPr>
+        <a:xfrm>
+          <a:off x="0" y="0"/>
+          <a:ext cx="0" cy="0"/>
+          <a:chOff x="0" y="0"/>
+          <a:chExt cx="0" cy="0"/>
+        </a:xfrm>
+      </p:grpSpPr>
+      <p:sp>
+        <p:nvSpPr>
+          <p:cNvPr id="79875" name="Rectangle 1028"/>
+          <p:cNvSpPr>
+            <a:spLocks noGrp="1" noChangeArrowheads="1"/>
+          </p:cNvSpPr>
+          <p:nvPr>
+            <p:ph type="title"/>
+          </p:nvPr>
+        </p:nvSpPr>
+        <p:spPr>
+          <a:xfrm>
+            <a:off x="0" y="1"/>
+            <a:ext cx="9144000" cy="762000"/>
+          </a:xfrm>
+        </p:spPr>
+        <p:txBody>
+          <a:bodyPr/>
+          <a:lstStyle/>
+          <a:p>
+            <a:pPr eaLnBrk="1" hangingPunct="1"/>
+            <a:r>
+              <a:rPr lang="en-US" altLang="en-US" smtClean="0"/>
+              <a:t>Update Operations on Relations</a:t>
+            </a:r>
+          </a:p>
+        </p:txBody>
+      </p:sp>
+      <p:sp>
+        <p:nvSpPr>
+          <p:cNvPr id="79876" name="Rectangle 1029"/>
+          <p:cNvSpPr>
+            <a:spLocks noGrp="1" noChangeArrowheads="1"/>
+          </p:cNvSpPr>
+          <p:nvPr>
+            <p:ph type="body" idx="1"/>
+          </p:nvPr>
+        </p:nvSpPr>
+        <p:spPr>
+          <a:xfrm>
+            <a:off x="101600" y="1066800"/>
+            <a:ext cx="8966200" cy="5486400"/>
+          </a:xfrm>
+        </p:spPr>
+        <p:txBody>
+          <a:bodyPr/>
+          <a:lstStyle/>
+          <a:p>
+            <a:pPr eaLnBrk="1" hangingPunct="1">
+              <a:lnSpc>
+                <a:spcPct val="150000"/>
+              </a:lnSpc>
+            </a:pPr>
+            <a:r>
+              <a:rPr lang="en-US" altLang="en-US" sz="2400" dirty="0" smtClean="0"/>
+              <a:t>INSERT a tuple.</a:t>
+            </a:r>
+          </a:p>
+          <a:p>
+            <a:pPr eaLnBrk="1" hangingPunct="1">
+              <a:lnSpc>
+                <a:spcPct val="150000"/>
+              </a:lnSpc>
+            </a:pPr>
+            <a:r>
+              <a:rPr lang="en-US" altLang="en-US" sz="2400" dirty="0" smtClean="0"/>
+              <a:t>DELETE a tuple.</a:t>
+            </a:r>
+          </a:p>
+          <a:p>
+            <a:pPr eaLnBrk="1" hangingPunct="1">
+              <a:lnSpc>
+                <a:spcPct val="150000"/>
+              </a:lnSpc>
+            </a:pPr>
+            <a:r>
+              <a:rPr lang="en-US" altLang="en-US" sz="2400" dirty="0" smtClean="0"/>
+              <a:t>MODIFY a tuple.</a:t>
+            </a:r>
+          </a:p>
+          <a:p>
+            <a:pPr eaLnBrk="1" hangingPunct="1">
+              <a:lnSpc>
+                <a:spcPct val="150000"/>
+              </a:lnSpc>
+            </a:pPr>
+            <a:r>
+              <a:rPr lang="en-US" altLang="en-US" sz="2400" dirty="0" smtClean="0"/>
+              <a:t>Integrity constraints should not be violated by the update operations.</a:t>
+            </a:r>
+          </a:p>
+          <a:p>
+            <a:pPr eaLnBrk="1" hangingPunct="1">
+              <a:lnSpc>
+                <a:spcPct val="150000"/>
+              </a:lnSpc>
+            </a:pPr>
+            <a:r>
+              <a:rPr lang="en-US" altLang="en-US" sz="2400" dirty="0" smtClean="0"/>
+              <a:t>Several update operations may have to be grouped together.</a:t>
+            </a:r>
+          </a:p>
+          <a:p>
+            <a:pPr eaLnBrk="1" hangingPunct="1">
+              <a:lnSpc>
+                <a:spcPct val="150000"/>
+              </a:lnSpc>
+            </a:pPr>
+            <a:r>
+              <a:rPr lang="en-US" altLang="en-US" sz="2400" dirty="0" smtClean="0"/>
+              <a:t>Updates may </a:t>
+            </a:r>
+            <a:r>
+              <a:rPr lang="en-US" altLang="en-US" sz="2400" b="1" dirty="0" smtClean="0"/>
+              <a:t>propagate</a:t>
+            </a:r>
+            <a:r>
+              <a:rPr lang="en-US" altLang="en-US" sz="2400" dirty="0" smtClean="0"/>
+              <a:t>  to cause other updates automatically. This may be necessary to maintain integrity constraints.</a:t>
+            </a:r>
+          </a:p>
+        </p:txBody>
+      </p:sp>
+    </p:spTree>
+    <p:extLst>
+      <p:ext uri="{BB962C8B-B14F-4D97-AF65-F5344CB8AC3E}">
+        <p14:creationId xmlns:p14="http://schemas.microsoft.com/office/powerpoint/2010/main" val="2129904861"/>
+      </p:ext>
+    </p:extLst>
+  </p:cSld>
+  <p:clrMapOvr>
+    <a:masterClrMapping/>
+  </p:clrMapOvr>
+  <p:transition spd="med"/>
+  <p:timing>
+    <p:tnLst>
+      <p:par>
+        <p:cTn id="1" dur="indefinite" restart="never" nodeType="tmRoot"/>
+      </p:par>
+    </p:tnLst>
+  </p:timing>
+</p:sld>
+</file>
+
+<file path=ppt/slides/slide55.xml><?xml version="1.0" encoding="utf-8"?>
+<p:sld xmlns:a="http://schemas.openxmlformats.org/drawingml/2006/main" xmlns:r="http://schemas.openxmlformats.org/officeDocument/2006/relationships" xmlns:p="http://schemas.openxmlformats.org/presentationml/2006/main">
+  <p:cSld>
+    <p:spTree>
+      <p:nvGrpSpPr>
+        <p:cNvPr id="1" name=""/>
+        <p:cNvGrpSpPr/>
+        <p:nvPr/>
+      </p:nvGrpSpPr>
+      <p:grpSpPr>
+        <a:xfrm>
+          <a:off x="0" y="0"/>
+          <a:ext cx="0" cy="0"/>
+          <a:chOff x="0" y="0"/>
+          <a:chExt cx="0" cy="0"/>
+        </a:xfrm>
+      </p:grpSpPr>
+      <p:sp>
+        <p:nvSpPr>
+          <p:cNvPr id="81923" name="Rectangle 4"/>
+          <p:cNvSpPr>
+            <a:spLocks noGrp="1" noChangeArrowheads="1"/>
+          </p:cNvSpPr>
+          <p:nvPr>
+            <p:ph type="title"/>
+          </p:nvPr>
+        </p:nvSpPr>
+        <p:spPr/>
+        <p:txBody>
+          <a:bodyPr/>
+          <a:lstStyle/>
+          <a:p>
+            <a:pPr eaLnBrk="1" hangingPunct="1"/>
+            <a:r>
+              <a:rPr lang="en-US" altLang="en-US" smtClean="0"/>
+              <a:t>Update Operations on Relations</a:t>
+            </a:r>
+          </a:p>
+        </p:txBody>
+      </p:sp>
+      <p:sp>
+        <p:nvSpPr>
+          <p:cNvPr id="81924" name="Rectangle 5"/>
+          <p:cNvSpPr>
+            <a:spLocks noGrp="1" noChangeArrowheads="1"/>
+          </p:cNvSpPr>
+          <p:nvPr>
+            <p:ph type="body" idx="1"/>
+          </p:nvPr>
+        </p:nvSpPr>
+        <p:spPr>
+          <a:xfrm>
+            <a:off x="101600" y="914400"/>
+            <a:ext cx="8966200" cy="5410200"/>
+          </a:xfrm>
+        </p:spPr>
+        <p:txBody>
+          <a:bodyPr/>
+          <a:lstStyle/>
+          <a:p>
+            <a:pPr eaLnBrk="1" hangingPunct="1">
+              <a:lnSpc>
+                <a:spcPct val="150000"/>
+              </a:lnSpc>
+            </a:pPr>
+            <a:r>
+              <a:rPr lang="en-US" altLang="en-US" sz="2400" dirty="0" smtClean="0"/>
+              <a:t>In case of integrity violation, several actions can be taken:</a:t>
+            </a:r>
+          </a:p>
+          <a:p>
+            <a:pPr lvl="1" eaLnBrk="1" hangingPunct="1">
+              <a:lnSpc>
+                <a:spcPct val="150000"/>
+              </a:lnSpc>
+            </a:pPr>
+            <a:r>
+              <a:rPr lang="en-US" altLang="en-US" sz="2400" dirty="0" smtClean="0"/>
+              <a:t>Cancel the operation that causes the violation (RESTRICT or REJECT option)</a:t>
+            </a:r>
+          </a:p>
+          <a:p>
+            <a:pPr lvl="1" eaLnBrk="1" hangingPunct="1">
+              <a:lnSpc>
+                <a:spcPct val="150000"/>
+              </a:lnSpc>
+            </a:pPr>
+            <a:r>
+              <a:rPr lang="en-US" altLang="en-US" sz="2400" dirty="0" smtClean="0"/>
+              <a:t>Perform the operation but inform the user of the violation</a:t>
+            </a:r>
+          </a:p>
+          <a:p>
+            <a:pPr lvl="1" eaLnBrk="1" hangingPunct="1">
+              <a:lnSpc>
+                <a:spcPct val="150000"/>
+              </a:lnSpc>
+            </a:pPr>
+            <a:r>
+              <a:rPr lang="en-US" altLang="en-US" sz="2400" dirty="0" smtClean="0"/>
+              <a:t>Trigger additional updates so the violation is corrected (CASCADE option, SET NULL option)</a:t>
+            </a:r>
+          </a:p>
+          <a:p>
+            <a:pPr lvl="1" eaLnBrk="1" hangingPunct="1">
+              <a:lnSpc>
+                <a:spcPct val="150000"/>
+              </a:lnSpc>
+            </a:pPr>
+            <a:r>
+              <a:rPr lang="en-US" altLang="en-US" sz="2400" dirty="0" smtClean="0"/>
+              <a:t>Execute a user-specified error-correction routine </a:t>
+            </a:r>
+          </a:p>
+        </p:txBody>
+      </p:sp>
+    </p:spTree>
+    <p:extLst>
+      <p:ext uri="{BB962C8B-B14F-4D97-AF65-F5344CB8AC3E}">
+        <p14:creationId xmlns:p14="http://schemas.microsoft.com/office/powerpoint/2010/main" val="4020807911"/>
+      </p:ext>
+    </p:extLst>
+  </p:cSld>
+  <p:clrMapOvr>
+    <a:masterClrMapping/>
+  </p:clrMapOvr>
+  <p:transition spd="med"/>
+  <p:timing>
+    <p:tnLst>
+      <p:par>
+        <p:cTn id="1" dur="indefinite" restart="never" nodeType="tmRoot"/>
+      </p:par>
+    </p:tnLst>
+  </p:timing>
+</p:sld>
+</file>
+
+<file path=ppt/slides/slide56.xml><?xml version="1.0" encoding="utf-8"?>
+<p:sld xmlns:a="http://schemas.openxmlformats.org/drawingml/2006/main" xmlns:r="http://schemas.openxmlformats.org/officeDocument/2006/relationships" xmlns:p="http://schemas.openxmlformats.org/presentationml/2006/main">
+  <p:cSld>
+    <p:spTree>
+      <p:nvGrpSpPr>
+        <p:cNvPr id="1" name=""/>
+        <p:cNvGrpSpPr/>
+        <p:nvPr/>
+      </p:nvGrpSpPr>
+      <p:grpSpPr>
+        <a:xfrm>
+          <a:off x="0" y="0"/>
+          <a:ext cx="0" cy="0"/>
+          <a:chOff x="0" y="0"/>
+          <a:chExt cx="0" cy="0"/>
+        </a:xfrm>
+      </p:grpSpPr>
+      <p:sp>
+        <p:nvSpPr>
+          <p:cNvPr id="83971" name="Rectangle 1026"/>
+          <p:cNvSpPr>
+            <a:spLocks noGrp="1" noChangeArrowheads="1"/>
+          </p:cNvSpPr>
+          <p:nvPr>
+            <p:ph type="title"/>
+          </p:nvPr>
+        </p:nvSpPr>
+        <p:spPr>
+          <a:xfrm>
+            <a:off x="0" y="1"/>
+            <a:ext cx="9144000" cy="609600"/>
+          </a:xfrm>
+        </p:spPr>
+        <p:txBody>
+          <a:bodyPr/>
+          <a:lstStyle/>
+          <a:p>
+            <a:pPr eaLnBrk="1" hangingPunct="1"/>
+            <a:r>
+              <a:rPr lang="en-US" altLang="en-US" dirty="0" smtClean="0"/>
+              <a:t>Possible violations for each operation</a:t>
+            </a:r>
+          </a:p>
+        </p:txBody>
+      </p:sp>
+      <p:sp>
+        <p:nvSpPr>
+          <p:cNvPr id="83972" name="Rectangle 1027"/>
+          <p:cNvSpPr>
+            <a:spLocks noGrp="1" noChangeArrowheads="1"/>
+          </p:cNvSpPr>
+          <p:nvPr>
+            <p:ph type="body" idx="1"/>
+          </p:nvPr>
+        </p:nvSpPr>
+        <p:spPr>
+          <a:xfrm>
+            <a:off x="101600" y="570344"/>
+            <a:ext cx="8966200" cy="6287656"/>
+          </a:xfrm>
+        </p:spPr>
+        <p:txBody>
+          <a:bodyPr/>
+          <a:lstStyle/>
+          <a:p>
+            <a:pPr eaLnBrk="1" hangingPunct="1">
+              <a:lnSpc>
+                <a:spcPct val="150000"/>
+              </a:lnSpc>
+            </a:pPr>
+            <a:r>
+              <a:rPr lang="en-US" altLang="en-US" sz="2400" dirty="0" smtClean="0"/>
+              <a:t>INSERT may violate any of the constraints:</a:t>
+            </a:r>
+          </a:p>
+          <a:p>
+            <a:pPr lvl="1" eaLnBrk="1" hangingPunct="1">
+              <a:lnSpc>
+                <a:spcPct val="150000"/>
+              </a:lnSpc>
+            </a:pPr>
+            <a:r>
+              <a:rPr lang="en-US" altLang="en-US" sz="2200" dirty="0" smtClean="0"/>
+              <a:t>Domain constraint:</a:t>
+            </a:r>
+          </a:p>
+          <a:p>
+            <a:pPr lvl="2" eaLnBrk="1" hangingPunct="1">
+              <a:lnSpc>
+                <a:spcPct val="150000"/>
+              </a:lnSpc>
+            </a:pPr>
+            <a:r>
+              <a:rPr lang="en-US" altLang="en-US" sz="2000" dirty="0" smtClean="0"/>
+              <a:t>if one of the attribute values provided for the new tuple is not of the specified attribute domain</a:t>
+            </a:r>
+          </a:p>
+          <a:p>
+            <a:pPr lvl="1" eaLnBrk="1" hangingPunct="1">
+              <a:lnSpc>
+                <a:spcPct val="150000"/>
+              </a:lnSpc>
+            </a:pPr>
+            <a:r>
+              <a:rPr lang="en-US" altLang="en-US" sz="2200" dirty="0" smtClean="0"/>
+              <a:t>Key constraint:</a:t>
+            </a:r>
+          </a:p>
+          <a:p>
+            <a:pPr lvl="2" eaLnBrk="1" hangingPunct="1">
+              <a:lnSpc>
+                <a:spcPct val="150000"/>
+              </a:lnSpc>
+            </a:pPr>
+            <a:r>
+              <a:rPr lang="en-US" altLang="en-US" sz="2000" dirty="0" smtClean="0"/>
+              <a:t>if the value of a key attribute in the new tuple already exists in another tuple in the relation</a:t>
+            </a:r>
+          </a:p>
+          <a:p>
+            <a:pPr lvl="1" eaLnBrk="1" hangingPunct="1">
+              <a:lnSpc>
+                <a:spcPct val="150000"/>
+              </a:lnSpc>
+            </a:pPr>
+            <a:r>
+              <a:rPr lang="en-US" altLang="en-US" sz="2200" dirty="0" smtClean="0"/>
+              <a:t>Referential integrity:</a:t>
+            </a:r>
+          </a:p>
+          <a:p>
+            <a:pPr lvl="2" eaLnBrk="1" hangingPunct="1">
+              <a:lnSpc>
+                <a:spcPct val="150000"/>
+              </a:lnSpc>
+            </a:pPr>
+            <a:r>
+              <a:rPr lang="en-US" altLang="en-US" sz="2000" dirty="0" smtClean="0"/>
+              <a:t>if a foreign key value in the new tuple references a primary key value that does not exist in the referenced relation</a:t>
+            </a:r>
+          </a:p>
+          <a:p>
+            <a:pPr lvl="1" eaLnBrk="1" hangingPunct="1">
+              <a:lnSpc>
+                <a:spcPct val="150000"/>
+              </a:lnSpc>
+            </a:pPr>
+            <a:r>
+              <a:rPr lang="en-US" altLang="en-US" sz="2200" dirty="0" smtClean="0"/>
+              <a:t>Entity integrity:</a:t>
+            </a:r>
+          </a:p>
+          <a:p>
+            <a:pPr lvl="2" eaLnBrk="1" hangingPunct="1">
+              <a:lnSpc>
+                <a:spcPct val="150000"/>
+              </a:lnSpc>
+            </a:pPr>
+            <a:r>
+              <a:rPr lang="en-US" altLang="en-US" sz="2000" dirty="0" smtClean="0"/>
+              <a:t>if the primary key value is null in the new tuple</a:t>
+            </a:r>
+          </a:p>
+        </p:txBody>
+      </p:sp>
+    </p:spTree>
+    <p:extLst>
+      <p:ext uri="{BB962C8B-B14F-4D97-AF65-F5344CB8AC3E}">
+        <p14:creationId xmlns:p14="http://schemas.microsoft.com/office/powerpoint/2010/main" val="2394974232"/>
+      </p:ext>
+    </p:extLst>
+  </p:cSld>
+  <p:clrMapOvr>
+    <a:masterClrMapping/>
+  </p:clrMapOvr>
+  <p:transition spd="med"/>
+  <p:timing>
+    <p:tnLst>
+      <p:par>
+        <p:cTn id="1" dur="indefinite" restart="never" nodeType="tmRoot"/>
+      </p:par>
+    </p:tnLst>
+  </p:timing>
+</p:sld>
+</file>
+
+<file path=ppt/slides/slide57.xml><?xml version="1.0" encoding="utf-8"?>
+<p:sld xmlns:a="http://schemas.openxmlformats.org/drawingml/2006/main" xmlns:r="http://schemas.openxmlformats.org/officeDocument/2006/relationships" xmlns:p="http://schemas.openxmlformats.org/presentationml/2006/main">
+  <p:cSld>
+    <p:spTree>
+      <p:nvGrpSpPr>
+        <p:cNvPr id="1" name=""/>
+        <p:cNvGrpSpPr/>
+        <p:nvPr/>
+      </p:nvGrpSpPr>
+      <p:grpSpPr>
+        <a:xfrm>
+          <a:off x="0" y="0"/>
+          <a:ext cx="0" cy="0"/>
+          <a:chOff x="0" y="0"/>
+          <a:chExt cx="0" cy="0"/>
+        </a:xfrm>
+      </p:grpSpPr>
+      <p:sp>
+        <p:nvSpPr>
+          <p:cNvPr id="84995" name="Rectangle 2"/>
+          <p:cNvSpPr>
+            <a:spLocks noGrp="1" noChangeArrowheads="1"/>
+          </p:cNvSpPr>
+          <p:nvPr>
+            <p:ph type="title"/>
+          </p:nvPr>
+        </p:nvSpPr>
+        <p:spPr>
+          <a:xfrm>
+            <a:off x="0" y="-577"/>
+            <a:ext cx="9144000" cy="610177"/>
+          </a:xfrm>
+        </p:spPr>
+        <p:txBody>
+          <a:bodyPr/>
+          <a:lstStyle/>
+          <a:p>
+            <a:pPr eaLnBrk="1" hangingPunct="1"/>
+            <a:r>
+              <a:rPr lang="en-US" altLang="en-US" smtClean="0"/>
+              <a:t>Possible violations for each operation</a:t>
+            </a:r>
+          </a:p>
+        </p:txBody>
+      </p:sp>
+      <p:sp>
+        <p:nvSpPr>
+          <p:cNvPr id="84996" name="Rectangle 3"/>
+          <p:cNvSpPr>
+            <a:spLocks noGrp="1" noChangeArrowheads="1"/>
+          </p:cNvSpPr>
+          <p:nvPr>
+            <p:ph type="body" idx="1"/>
+          </p:nvPr>
+        </p:nvSpPr>
+        <p:spPr>
+          <a:xfrm>
+            <a:off x="0" y="685800"/>
+            <a:ext cx="9067800" cy="6172200"/>
+          </a:xfrm>
+        </p:spPr>
+        <p:txBody>
+          <a:bodyPr/>
+          <a:lstStyle/>
+          <a:p>
+            <a:pPr eaLnBrk="1" hangingPunct="1">
+              <a:lnSpc>
+                <a:spcPct val="150000"/>
+              </a:lnSpc>
+            </a:pPr>
+            <a:r>
+              <a:rPr lang="en-US" altLang="en-US" sz="2400" dirty="0" smtClean="0"/>
+              <a:t>DELETE may violate only referential integrity:</a:t>
+            </a:r>
+          </a:p>
+          <a:p>
+            <a:pPr lvl="1" eaLnBrk="1" hangingPunct="1">
+              <a:lnSpc>
+                <a:spcPct val="150000"/>
+              </a:lnSpc>
+            </a:pPr>
+            <a:r>
+              <a:rPr lang="en-US" altLang="en-US" sz="2200" dirty="0" smtClean="0"/>
+              <a:t>If the primary key value of the tuple being deleted is referenced from other tuples in the database</a:t>
+            </a:r>
+          </a:p>
+          <a:p>
+            <a:pPr lvl="2" eaLnBrk="1" hangingPunct="1">
+              <a:lnSpc>
+                <a:spcPct val="150000"/>
+              </a:lnSpc>
+            </a:pPr>
+            <a:r>
+              <a:rPr lang="en-US" altLang="en-US" sz="2000" dirty="0" smtClean="0"/>
+              <a:t>Can be remedied by several actions: RESTRICT, CASCADE, SET NULL (see Chapter 6 for more details)</a:t>
+            </a:r>
+          </a:p>
+          <a:p>
+            <a:pPr lvl="3" eaLnBrk="1" hangingPunct="1">
+              <a:lnSpc>
+                <a:spcPct val="150000"/>
+              </a:lnSpc>
+            </a:pPr>
+            <a:r>
+              <a:rPr lang="en-US" altLang="en-US" sz="1800" dirty="0" smtClean="0"/>
+              <a:t>RESTRICT option: reject the deletion</a:t>
+            </a:r>
+          </a:p>
+          <a:p>
+            <a:pPr lvl="3" eaLnBrk="1" hangingPunct="1">
+              <a:lnSpc>
+                <a:spcPct val="150000"/>
+              </a:lnSpc>
+            </a:pPr>
+            <a:r>
+              <a:rPr lang="en-US" altLang="en-US" sz="1800" dirty="0" smtClean="0"/>
+              <a:t>CASCADE option: propagate the new primary key value into the foreign keys of the referencing tuples</a:t>
+            </a:r>
+          </a:p>
+          <a:p>
+            <a:pPr lvl="3" eaLnBrk="1" hangingPunct="1">
+              <a:lnSpc>
+                <a:spcPct val="150000"/>
+              </a:lnSpc>
+            </a:pPr>
+            <a:r>
+              <a:rPr lang="en-US" altLang="en-US" sz="1800" dirty="0" smtClean="0"/>
+              <a:t>SET NULL option: set the foreign keys of the referencing tuples to NULL</a:t>
+            </a:r>
+          </a:p>
+          <a:p>
+            <a:pPr lvl="1" eaLnBrk="1" hangingPunct="1">
+              <a:lnSpc>
+                <a:spcPct val="150000"/>
+              </a:lnSpc>
+            </a:pPr>
+            <a:r>
+              <a:rPr lang="en-US" altLang="en-US" sz="2200" dirty="0" smtClean="0"/>
+              <a:t>One of the above options must be specified during database design for each foreign key constraint</a:t>
+            </a:r>
+          </a:p>
+        </p:txBody>
+      </p:sp>
+    </p:spTree>
+    <p:extLst>
+      <p:ext uri="{BB962C8B-B14F-4D97-AF65-F5344CB8AC3E}">
+        <p14:creationId xmlns:p14="http://schemas.microsoft.com/office/powerpoint/2010/main" val="2903727518"/>
       </p:ext>
     </p:extLst>
   </p:cSld>
@@ -36097,7 +36024,7 @@
       </p:grpSpPr>
       <p:sp>
         <p:nvSpPr>
-          <p:cNvPr id="79875" name="Rectangle 1028"/>
+          <p:cNvPr id="86019" name="Rectangle 1026"/>
           <p:cNvSpPr>
             <a:spLocks noGrp="1" noChangeArrowheads="1"/>
           </p:cNvSpPr>
@@ -36105,7 +36032,12 @@
             <p:ph type="title"/>
           </p:nvPr>
         </p:nvSpPr>
-        <p:spPr/>
+        <p:spPr>
+          <a:xfrm>
+            <a:off x="4618" y="1"/>
+            <a:ext cx="9139382" cy="609600"/>
+          </a:xfrm>
+        </p:spPr>
         <p:txBody>
           <a:bodyPr/>
           <a:lstStyle/>
@@ -36113,14 +36045,14 @@
             <a:pPr eaLnBrk="1" hangingPunct="1"/>
             <a:r>
               <a:rPr lang="en-US" altLang="en-US" smtClean="0"/>
-              <a:t>Update Operations on Relations</a:t>
+              <a:t>Possible violations for each operation</a:t>
             </a:r>
           </a:p>
         </p:txBody>
       </p:sp>
       <p:sp>
         <p:nvSpPr>
-          <p:cNvPr id="79876" name="Rectangle 1029"/>
+          <p:cNvPr id="86020" name="Rectangle 1027"/>
           <p:cNvSpPr>
             <a:spLocks noGrp="1" noChangeArrowheads="1"/>
           </p:cNvSpPr>
@@ -36128,58 +36060,112 @@
             <p:ph type="body" idx="1"/>
           </p:nvPr>
         </p:nvSpPr>
-        <p:spPr/>
+        <p:spPr>
+          <a:xfrm>
+            <a:off x="4618" y="685800"/>
+            <a:ext cx="9042400" cy="6096000"/>
+          </a:xfrm>
+        </p:spPr>
         <p:txBody>
           <a:bodyPr/>
           <a:lstStyle/>
           <a:p>
-            <a:pPr eaLnBrk="1" hangingPunct="1"/>
-            <a:r>
-              <a:rPr lang="en-US" altLang="en-US" smtClean="0"/>
-              <a:t>INSERT a tuple.</a:t>
-            </a:r>
-          </a:p>
-          <a:p>
-            <a:pPr eaLnBrk="1" hangingPunct="1"/>
-            <a:r>
-              <a:rPr lang="en-US" altLang="en-US" smtClean="0"/>
-              <a:t>DELETE a tuple.</a:t>
-            </a:r>
-          </a:p>
-          <a:p>
-            <a:pPr eaLnBrk="1" hangingPunct="1"/>
-            <a:r>
-              <a:rPr lang="en-US" altLang="en-US" smtClean="0"/>
-              <a:t>MODIFY a tuple.</a:t>
-            </a:r>
-          </a:p>
-          <a:p>
-            <a:pPr eaLnBrk="1" hangingPunct="1"/>
-            <a:r>
-              <a:rPr lang="en-US" altLang="en-US" smtClean="0"/>
-              <a:t>Integrity constraints should not be violated by the update operations.</a:t>
-            </a:r>
-          </a:p>
-          <a:p>
-            <a:pPr eaLnBrk="1" hangingPunct="1"/>
-            <a:r>
-              <a:rPr lang="en-US" altLang="en-US" smtClean="0"/>
-              <a:t>Several update operations may have to be grouped together.</a:t>
-            </a:r>
-          </a:p>
-          <a:p>
-            <a:pPr eaLnBrk="1" hangingPunct="1"/>
-            <a:r>
-              <a:rPr lang="en-US" altLang="en-US" smtClean="0"/>
-              <a:t>Updates may </a:t>
-            </a:r>
-            <a:r>
-              <a:rPr lang="en-US" altLang="en-US" b="1" smtClean="0"/>
-              <a:t>propagate</a:t>
-            </a:r>
-            <a:r>
-              <a:rPr lang="en-US" altLang="en-US" smtClean="0"/>
-              <a:t>  to cause other updates automatically. This may be necessary to maintain integrity constraints.</a:t>
+            <a:pPr eaLnBrk="1" hangingPunct="1">
+              <a:lnSpc>
+                <a:spcPct val="150000"/>
+              </a:lnSpc>
+            </a:pPr>
+            <a:r>
+              <a:rPr lang="en-US" altLang="en-US" sz="2400" dirty="0" smtClean="0"/>
+              <a:t>UPDATE may violate domain constraint and NOT NULL constraint on an attribute being modified</a:t>
+            </a:r>
+          </a:p>
+          <a:p>
+            <a:pPr eaLnBrk="1" hangingPunct="1">
+              <a:lnSpc>
+                <a:spcPct val="150000"/>
+              </a:lnSpc>
+            </a:pPr>
+            <a:r>
+              <a:rPr lang="en-US" altLang="en-US" sz="2400" dirty="0" smtClean="0"/>
+              <a:t>Any of the other constraints may also be violated, depending on the attribute being updated:</a:t>
+            </a:r>
+          </a:p>
+          <a:p>
+            <a:pPr lvl="1" eaLnBrk="1" hangingPunct="1">
+              <a:lnSpc>
+                <a:spcPct val="150000"/>
+              </a:lnSpc>
+            </a:pPr>
+            <a:r>
+              <a:rPr lang="en-US" altLang="en-US" sz="2200" dirty="0" smtClean="0"/>
+              <a:t>Updating the primary key (PK):</a:t>
+            </a:r>
+          </a:p>
+          <a:p>
+            <a:pPr lvl="2" eaLnBrk="1" hangingPunct="1">
+              <a:lnSpc>
+                <a:spcPct val="150000"/>
+              </a:lnSpc>
+            </a:pPr>
+            <a:r>
+              <a:rPr lang="en-US" altLang="en-US" sz="2000" dirty="0" smtClean="0"/>
+              <a:t>Similar to a DELETE followed by an INSERT</a:t>
+            </a:r>
+          </a:p>
+          <a:p>
+            <a:pPr lvl="2" eaLnBrk="1" hangingPunct="1">
+              <a:lnSpc>
+                <a:spcPct val="150000"/>
+              </a:lnSpc>
+            </a:pPr>
+            <a:r>
+              <a:rPr lang="en-US" altLang="en-US" sz="2000" dirty="0" smtClean="0"/>
+              <a:t>Need to specify similar options to DELETE</a:t>
+            </a:r>
+          </a:p>
+          <a:p>
+            <a:pPr lvl="1" eaLnBrk="1" hangingPunct="1">
+              <a:lnSpc>
+                <a:spcPct val="150000"/>
+              </a:lnSpc>
+            </a:pPr>
+            <a:r>
+              <a:rPr lang="en-US" altLang="en-US" sz="2200" dirty="0" smtClean="0"/>
+              <a:t>Updating a foreign key (FK):</a:t>
+            </a:r>
+          </a:p>
+          <a:p>
+            <a:pPr lvl="2" eaLnBrk="1" hangingPunct="1">
+              <a:lnSpc>
+                <a:spcPct val="150000"/>
+              </a:lnSpc>
+            </a:pPr>
+            <a:r>
+              <a:rPr lang="en-US" altLang="en-US" sz="2000" dirty="0" smtClean="0"/>
+              <a:t>May violate referential integrity</a:t>
+            </a:r>
+          </a:p>
+          <a:p>
+            <a:pPr lvl="1" eaLnBrk="1" hangingPunct="1">
+              <a:lnSpc>
+                <a:spcPct val="150000"/>
+              </a:lnSpc>
+            </a:pPr>
+            <a:r>
+              <a:rPr lang="en-US" altLang="en-US" sz="2200" dirty="0" smtClean="0"/>
+              <a:t>Updating an ordinary attribute (neither PK nor FK):</a:t>
+            </a:r>
+          </a:p>
+          <a:p>
+            <a:pPr lvl="2" eaLnBrk="1" hangingPunct="1">
+              <a:lnSpc>
+                <a:spcPct val="150000"/>
+              </a:lnSpc>
+            </a:pPr>
+            <a:r>
+              <a:rPr lang="en-US" altLang="en-US" sz="2000" dirty="0" smtClean="0"/>
+              <a:t>Can only violate domain constraints</a:t>
             </a:r>
           </a:p>
         </p:txBody>
@@ -36187,7 +36173,7 @@
     </p:spTree>
     <p:extLst>
       <p:ext uri="{BB962C8B-B14F-4D97-AF65-F5344CB8AC3E}">
-        <p14:creationId xmlns:p14="http://schemas.microsoft.com/office/powerpoint/2010/main" val="2129904861"/>
+        <p14:creationId xmlns:p14="http://schemas.microsoft.com/office/powerpoint/2010/main" val="1952475231"/>
       </p:ext>
     </p:extLst>
   </p:cSld>
@@ -36224,7 +36210,7 @@
       </p:grpSpPr>
       <p:sp>
         <p:nvSpPr>
-          <p:cNvPr id="81923" name="Rectangle 4"/>
+          <p:cNvPr id="87043" name="Rectangle 2"/>
           <p:cNvSpPr>
             <a:spLocks noGrp="1" noChangeArrowheads="1"/>
           </p:cNvSpPr>
@@ -36232,22 +36218,27 @@
             <p:ph type="title"/>
           </p:nvPr>
         </p:nvSpPr>
-        <p:spPr/>
+        <p:spPr>
+          <a:xfrm>
+            <a:off x="0" y="11545"/>
+            <a:ext cx="9144000" cy="644525"/>
+          </a:xfrm>
+        </p:spPr>
         <p:txBody>
           <a:bodyPr/>
           <a:lstStyle/>
           <a:p>
             <a:pPr eaLnBrk="1" hangingPunct="1"/>
             <a:r>
-              <a:rPr lang="en-US" altLang="en-US" smtClean="0"/>
-              <a:t>Update Operations on Relations</a:t>
+              <a:rPr lang="en-US" altLang="en-US" dirty="0" smtClean="0"/>
+              <a:t>Summary</a:t>
             </a:r>
           </a:p>
         </p:txBody>
       </p:sp>
       <p:sp>
         <p:nvSpPr>
-          <p:cNvPr id="81924" name="Rectangle 5"/>
+          <p:cNvPr id="87044" name="Rectangle 3"/>
           <p:cNvSpPr>
             <a:spLocks noGrp="1" noChangeArrowheads="1"/>
           </p:cNvSpPr>
@@ -36255,51 +36246,128 @@
             <p:ph type="body" idx="1"/>
           </p:nvPr>
         </p:nvSpPr>
-        <p:spPr/>
+        <p:spPr>
+          <a:xfrm>
+            <a:off x="11545" y="609600"/>
+            <a:ext cx="9042400" cy="6248400"/>
+          </a:xfrm>
+        </p:spPr>
         <p:txBody>
           <a:bodyPr/>
           <a:lstStyle/>
           <a:p>
-            <a:pPr eaLnBrk="1" hangingPunct="1"/>
-            <a:r>
-              <a:rPr lang="en-US" altLang="en-US" smtClean="0"/>
-              <a:t>In case of integrity violation, several actions can be taken:</a:t>
-            </a:r>
-          </a:p>
-          <a:p>
-            <a:pPr lvl="1" eaLnBrk="1" hangingPunct="1"/>
-            <a:r>
-              <a:rPr lang="en-US" altLang="en-US" smtClean="0"/>
-              <a:t>Cancel the operation that causes the violation (RESTRICT or REJECT option)</a:t>
-            </a:r>
-          </a:p>
-          <a:p>
-            <a:pPr lvl="1" eaLnBrk="1" hangingPunct="1"/>
-            <a:r>
-              <a:rPr lang="en-US" altLang="en-US" smtClean="0"/>
-              <a:t>Perform the operation but inform the user of the violation</a:t>
-            </a:r>
-          </a:p>
-          <a:p>
-            <a:pPr lvl="1" eaLnBrk="1" hangingPunct="1"/>
-            <a:r>
-              <a:rPr lang="en-US" altLang="en-US" smtClean="0"/>
-              <a:t>Trigger additional updates so the violation is corrected (CASCADE option, SET NULL option)</a:t>
-            </a:r>
-          </a:p>
-          <a:p>
-            <a:pPr lvl="1" eaLnBrk="1" hangingPunct="1"/>
-            <a:r>
-              <a:rPr lang="en-US" altLang="en-US" smtClean="0"/>
-              <a:t>Execute a user-specified error-correction routine </a:t>
-            </a:r>
+            <a:pPr eaLnBrk="1" hangingPunct="1">
+              <a:lnSpc>
+                <a:spcPct val="150000"/>
+              </a:lnSpc>
+            </a:pPr>
+            <a:r>
+              <a:rPr lang="en-US" altLang="en-US" sz="2400" dirty="0" smtClean="0"/>
+              <a:t>Presented Relational Model Concepts</a:t>
+            </a:r>
+          </a:p>
+          <a:p>
+            <a:pPr lvl="1" eaLnBrk="1" hangingPunct="1">
+              <a:lnSpc>
+                <a:spcPct val="150000"/>
+              </a:lnSpc>
+            </a:pPr>
+            <a:r>
+              <a:rPr lang="en-US" altLang="en-US" sz="2200" dirty="0" smtClean="0"/>
+              <a:t>Definitions</a:t>
+            </a:r>
+          </a:p>
+          <a:p>
+            <a:pPr lvl="1" eaLnBrk="1" hangingPunct="1">
+              <a:lnSpc>
+                <a:spcPct val="150000"/>
+              </a:lnSpc>
+            </a:pPr>
+            <a:r>
+              <a:rPr lang="en-US" altLang="en-US" sz="2200" dirty="0" smtClean="0"/>
+              <a:t>Characteristics of relations</a:t>
+            </a:r>
+          </a:p>
+          <a:p>
+            <a:pPr eaLnBrk="1" hangingPunct="1">
+              <a:lnSpc>
+                <a:spcPct val="150000"/>
+              </a:lnSpc>
+            </a:pPr>
+            <a:r>
+              <a:rPr lang="en-US" altLang="en-US" sz="2400" dirty="0" smtClean="0"/>
+              <a:t>Discussed Relational Model Constraints and Relational Database Schemas</a:t>
+            </a:r>
+          </a:p>
+          <a:p>
+            <a:pPr lvl="1" eaLnBrk="1" hangingPunct="1">
+              <a:lnSpc>
+                <a:spcPct val="150000"/>
+              </a:lnSpc>
+            </a:pPr>
+            <a:r>
+              <a:rPr lang="en-US" altLang="en-US" sz="2200" dirty="0" smtClean="0"/>
+              <a:t>Domain constraints </a:t>
+            </a:r>
+          </a:p>
+          <a:p>
+            <a:pPr lvl="1" eaLnBrk="1" hangingPunct="1">
+              <a:lnSpc>
+                <a:spcPct val="150000"/>
+              </a:lnSpc>
+            </a:pPr>
+            <a:r>
+              <a:rPr lang="en-US" altLang="en-US" sz="2200" dirty="0" smtClean="0"/>
+              <a:t>Key constraints</a:t>
+            </a:r>
+          </a:p>
+          <a:p>
+            <a:pPr lvl="1" eaLnBrk="1" hangingPunct="1">
+              <a:lnSpc>
+                <a:spcPct val="150000"/>
+              </a:lnSpc>
+            </a:pPr>
+            <a:r>
+              <a:rPr lang="en-US" altLang="en-US" sz="2200" dirty="0" smtClean="0"/>
+              <a:t>Entity integrity</a:t>
+            </a:r>
+          </a:p>
+          <a:p>
+            <a:pPr lvl="1" eaLnBrk="1" hangingPunct="1">
+              <a:lnSpc>
+                <a:spcPct val="150000"/>
+              </a:lnSpc>
+            </a:pPr>
+            <a:r>
+              <a:rPr lang="en-US" altLang="en-US" sz="2200" dirty="0" smtClean="0"/>
+              <a:t>Referential integrity</a:t>
+            </a:r>
+          </a:p>
+          <a:p>
+            <a:pPr eaLnBrk="1" hangingPunct="1">
+              <a:lnSpc>
+                <a:spcPct val="150000"/>
+              </a:lnSpc>
+            </a:pPr>
+            <a:r>
+              <a:rPr lang="en-US" altLang="en-US" sz="2400" dirty="0" smtClean="0"/>
+              <a:t>Described the Relational Update Operations and Dealing with Constraint Violations</a:t>
+            </a:r>
+          </a:p>
+          <a:p>
+            <a:pPr eaLnBrk="1" hangingPunct="1">
+              <a:lnSpc>
+                <a:spcPct val="150000"/>
+              </a:lnSpc>
+            </a:pPr>
+            <a:endParaRPr lang="en-US" altLang="en-US" sz="2400" dirty="0" smtClean="0"/>
           </a:p>
         </p:txBody>
       </p:sp>
     </p:spTree>
     <p:extLst>
       <p:ext uri="{BB962C8B-B14F-4D97-AF65-F5344CB8AC3E}">
-        <p14:creationId xmlns:p14="http://schemas.microsoft.com/office/powerpoint/2010/main" val="4020807911"/>
+        <p14:creationId xmlns:p14="http://schemas.microsoft.com/office/powerpoint/2010/main" val="1115962713"/>
       </p:ext>
     </p:extLst>
   </p:cSld>
@@ -36422,9 +36490,9 @@
       </p:grpSpPr>
       <p:sp>
         <p:nvSpPr>
-          <p:cNvPr id="83971" name="Rectangle 1026"/>
+          <p:cNvPr id="2" name="Title 1"/>
           <p:cNvSpPr>
-            <a:spLocks noGrp="1" noChangeArrowheads="1"/>
+            <a:spLocks noGrp="1"/>
           </p:cNvSpPr>
           <p:nvPr>
             <p:ph type="title"/>
@@ -36433,104 +36501,166 @@
         <p:spPr>
           <a:xfrm>
             <a:off x="0" y="1"/>
-            <a:ext cx="9144000" cy="609600"/>
+            <a:ext cx="9144000" cy="685799"/>
           </a:xfrm>
         </p:spPr>
         <p:txBody>
           <a:bodyPr/>
           <a:lstStyle/>
           <a:p>
-            <a:pPr eaLnBrk="1" hangingPunct="1"/>
-            <a:r>
-              <a:rPr lang="en-US" altLang="en-US" dirty="0" smtClean="0"/>
-              <a:t>Possible violations for each operation</a:t>
-            </a:r>
+            <a:r>
+              <a:rPr lang="en-US" dirty="0" smtClean="0"/>
+              <a:t>Review Questions</a:t>
+            </a:r>
+            <a:endParaRPr lang="en-US" dirty="0"/>
           </a:p>
         </p:txBody>
       </p:sp>
       <p:sp>
         <p:nvSpPr>
-          <p:cNvPr id="83972" name="Rectangle 1027"/>
+          <p:cNvPr id="3" name="Content Placeholder 2"/>
           <p:cNvSpPr>
-            <a:spLocks noGrp="1" noChangeArrowheads="1"/>
+            <a:spLocks noGrp="1"/>
           </p:cNvSpPr>
           <p:nvPr>
-            <p:ph type="body" idx="1"/>
+            <p:ph idx="1"/>
           </p:nvPr>
         </p:nvSpPr>
-        <p:spPr/>
+        <p:spPr>
+          <a:xfrm>
+            <a:off x="101600" y="762000"/>
+            <a:ext cx="8966200" cy="6096000"/>
+          </a:xfrm>
+        </p:spPr>
         <p:txBody>
           <a:bodyPr/>
           <a:lstStyle/>
           <a:p>
-            <a:pPr eaLnBrk="1" hangingPunct="1"/>
-            <a:r>
-              <a:rPr lang="en-US" altLang="en-US" sz="2400" dirty="0" smtClean="0"/>
-              <a:t>INSERT may violate any of the constraints:</a:t>
-            </a:r>
-          </a:p>
-          <a:p>
-            <a:pPr lvl="1" eaLnBrk="1" hangingPunct="1"/>
-            <a:r>
-              <a:rPr lang="en-US" altLang="en-US" sz="2200" dirty="0" smtClean="0"/>
-              <a:t>Domain constraint:</a:t>
-            </a:r>
-          </a:p>
-          <a:p>
-            <a:pPr lvl="2" eaLnBrk="1" hangingPunct="1"/>
-            <a:r>
-              <a:rPr lang="en-US" altLang="en-US" sz="2000" dirty="0" smtClean="0"/>
-              <a:t>if one of the attribute values provided for the new tuple is not of the specified attribute domain</a:t>
-            </a:r>
-          </a:p>
-          <a:p>
-            <a:pPr lvl="1" eaLnBrk="1" hangingPunct="1"/>
-            <a:r>
-              <a:rPr lang="en-US" altLang="en-US" sz="2200" dirty="0" smtClean="0"/>
-              <a:t>Key constraint:</a:t>
-            </a:r>
-          </a:p>
-          <a:p>
-            <a:pPr lvl="2" eaLnBrk="1" hangingPunct="1"/>
-            <a:r>
-              <a:rPr lang="en-US" altLang="en-US" sz="2000" dirty="0" smtClean="0"/>
-              <a:t>if the value of a key attribute in the new tuple already exists in another tuple in the relation</a:t>
-            </a:r>
-          </a:p>
-          <a:p>
-            <a:pPr lvl="1" eaLnBrk="1" hangingPunct="1"/>
-            <a:r>
-              <a:rPr lang="en-US" altLang="en-US" sz="2200" dirty="0" smtClean="0"/>
-              <a:t>Referential integrity:</a:t>
-            </a:r>
-          </a:p>
-          <a:p>
-            <a:pPr lvl="2" eaLnBrk="1" hangingPunct="1"/>
-            <a:r>
-              <a:rPr lang="en-US" altLang="en-US" sz="2000" dirty="0" smtClean="0"/>
-              <a:t>if a foreign key value in the new tuple references a primary key value that does not exist in the referenced relation</a:t>
-            </a:r>
-          </a:p>
-          <a:p>
-            <a:pPr lvl="1" eaLnBrk="1" hangingPunct="1"/>
-            <a:r>
-              <a:rPr lang="en-US" altLang="en-US" sz="2200" dirty="0" smtClean="0"/>
-              <a:t>Entity integrity:</a:t>
-            </a:r>
-          </a:p>
-          <a:p>
-            <a:pPr lvl="2" eaLnBrk="1" hangingPunct="1"/>
-            <a:r>
-              <a:rPr lang="en-US" altLang="en-US" sz="2000" dirty="0" smtClean="0"/>
-              <a:t>if the primary key value is null in the new tuple</a:t>
-            </a:r>
+            <a:pPr>
+              <a:lnSpc>
+                <a:spcPct val="150000"/>
+              </a:lnSpc>
+            </a:pPr>
+            <a:r>
+              <a:rPr lang="en-CA" sz="2400" dirty="0" smtClean="0"/>
+              <a:t>Define </a:t>
+            </a:r>
+            <a:r>
+              <a:rPr lang="en-CA" sz="2400" dirty="0"/>
+              <a:t>the following terms as they apply to the relational model of data: </a:t>
+            </a:r>
+            <a:endParaRPr lang="en-CA" sz="2400" dirty="0" smtClean="0"/>
+          </a:p>
+          <a:p>
+            <a:pPr lvl="1">
+              <a:lnSpc>
+                <a:spcPct val="150000"/>
+              </a:lnSpc>
+            </a:pPr>
+            <a:r>
+              <a:rPr lang="en-CA" sz="2200" dirty="0" smtClean="0"/>
+              <a:t>domain</a:t>
+            </a:r>
+            <a:r>
+              <a:rPr lang="en-CA" sz="2200" dirty="0"/>
+              <a:t>, attribute, n-tuple, relation schema, relation state, degree of a </a:t>
+            </a:r>
+            <a:r>
+              <a:rPr lang="en-CA" sz="2200" dirty="0" smtClean="0"/>
+              <a:t>relation</a:t>
+            </a:r>
+            <a:r>
+              <a:rPr lang="en-CA" sz="2200" dirty="0"/>
+              <a:t>, relational database schema, and relational database state. </a:t>
+            </a:r>
+            <a:endParaRPr lang="en-CA" sz="2200" dirty="0" smtClean="0"/>
+          </a:p>
+          <a:p>
+            <a:pPr>
+              <a:lnSpc>
+                <a:spcPct val="150000"/>
+              </a:lnSpc>
+            </a:pPr>
+            <a:r>
+              <a:rPr lang="en-CA" sz="2400" dirty="0" smtClean="0"/>
+              <a:t>Why </a:t>
+            </a:r>
+            <a:r>
+              <a:rPr lang="en-CA" sz="2400" dirty="0"/>
+              <a:t>are tuples in a relation not ordered? </a:t>
+            </a:r>
+            <a:endParaRPr lang="en-CA" sz="2400" dirty="0" smtClean="0"/>
+          </a:p>
+          <a:p>
+            <a:pPr>
+              <a:lnSpc>
+                <a:spcPct val="150000"/>
+              </a:lnSpc>
+            </a:pPr>
+            <a:r>
+              <a:rPr lang="en-CA" sz="2400" dirty="0" smtClean="0"/>
+              <a:t>Why </a:t>
+            </a:r>
+            <a:r>
+              <a:rPr lang="en-CA" sz="2400" dirty="0"/>
+              <a:t>are duplicate tuples not allowed in a relation? </a:t>
+            </a:r>
+            <a:endParaRPr lang="en-CA" sz="2400" dirty="0" smtClean="0"/>
+          </a:p>
+          <a:p>
+            <a:pPr>
+              <a:lnSpc>
+                <a:spcPct val="150000"/>
+              </a:lnSpc>
+            </a:pPr>
+            <a:r>
+              <a:rPr lang="en-CA" sz="2400" dirty="0" smtClean="0"/>
+              <a:t>What </a:t>
+            </a:r>
+            <a:r>
+              <a:rPr lang="en-CA" sz="2400" dirty="0"/>
+              <a:t>is the difference between a key and a </a:t>
+            </a:r>
+            <a:r>
+              <a:rPr lang="en-CA" sz="2400" dirty="0" err="1"/>
+              <a:t>superkey</a:t>
+            </a:r>
+            <a:r>
+              <a:rPr lang="en-CA" sz="2400" dirty="0"/>
+              <a:t>? </a:t>
+            </a:r>
+            <a:endParaRPr lang="en-CA" sz="2400" dirty="0" smtClean="0"/>
+          </a:p>
+          <a:p>
+            <a:pPr>
+              <a:lnSpc>
+                <a:spcPct val="150000"/>
+              </a:lnSpc>
+            </a:pPr>
+            <a:r>
+              <a:rPr lang="en-CA" sz="2400" dirty="0" smtClean="0"/>
+              <a:t>Why </a:t>
+            </a:r>
+            <a:r>
+              <a:rPr lang="en-CA" sz="2400" dirty="0"/>
+              <a:t>do we designate one of the candidate keys of a relation to be the </a:t>
+            </a:r>
+            <a:r>
+              <a:rPr lang="en-CA" sz="2400" dirty="0" smtClean="0"/>
+              <a:t>primary </a:t>
+            </a:r>
+            <a:r>
+              <a:rPr lang="en-CA" sz="2400" dirty="0"/>
+              <a:t>key? </a:t>
+            </a:r>
+            <a:endParaRPr lang="en-CA" sz="2400" dirty="0" smtClean="0"/>
           </a:p>
         </p:txBody>
       </p:sp>
     </p:spTree>
     <p:extLst>
       <p:ext uri="{BB962C8B-B14F-4D97-AF65-F5344CB8AC3E}">
-        <p14:creationId xmlns:p14="http://schemas.microsoft.com/office/powerpoint/2010/main" val="2394974232"/>
+        <p14:creationId xmlns:p14="http://schemas.microsoft.com/office/powerpoint/2010/main" val="979361713"/>
       </p:ext>
     </p:extLst>
   </p:cSld>
@@ -36567,96 +36697,145 @@
       </p:grpSpPr>
       <p:sp>
         <p:nvSpPr>
-          <p:cNvPr id="84995" name="Rectangle 2"/>
+          <p:cNvPr id="2" name="Title 1"/>
           <p:cNvSpPr>
-            <a:spLocks noGrp="1" noChangeArrowheads="1"/>
+            <a:spLocks noGrp="1"/>
           </p:cNvSpPr>
           <p:nvPr>
             <p:ph type="title"/>
           </p:nvPr>
         </p:nvSpPr>
-        <p:spPr/>
+        <p:spPr>
+          <a:xfrm>
+            <a:off x="0" y="1"/>
+            <a:ext cx="9144000" cy="685799"/>
+          </a:xfrm>
+        </p:spPr>
         <p:txBody>
           <a:bodyPr/>
           <a:lstStyle/>
           <a:p>
-            <a:pPr eaLnBrk="1" hangingPunct="1"/>
-            <a:r>
-              <a:rPr lang="en-US" altLang="en-US" smtClean="0"/>
-              <a:t>Possible violations for each operation</a:t>
-            </a:r>
+            <a:r>
+              <a:rPr lang="en-US" dirty="0" smtClean="0"/>
+              <a:t>Review Questions</a:t>
+            </a:r>
+            <a:endParaRPr lang="en-US" dirty="0"/>
           </a:p>
         </p:txBody>
       </p:sp>
       <p:sp>
         <p:nvSpPr>
-          <p:cNvPr id="84996" name="Rectangle 3"/>
+          <p:cNvPr id="3" name="Content Placeholder 2"/>
           <p:cNvSpPr>
-            <a:spLocks noGrp="1" noChangeArrowheads="1"/>
+            <a:spLocks noGrp="1"/>
           </p:cNvSpPr>
           <p:nvPr>
-            <p:ph type="body" idx="1"/>
+            <p:ph idx="1"/>
           </p:nvPr>
         </p:nvSpPr>
-        <p:spPr/>
+        <p:spPr>
+          <a:xfrm>
+            <a:off x="0" y="722744"/>
+            <a:ext cx="9042400" cy="6059055"/>
+          </a:xfrm>
+        </p:spPr>
         <p:txBody>
           <a:bodyPr/>
           <a:lstStyle/>
           <a:p>
-            <a:pPr eaLnBrk="1" hangingPunct="1"/>
-            <a:r>
-              <a:rPr lang="en-US" altLang="en-US" sz="2400" smtClean="0"/>
-              <a:t>DELETE may violate only referential integrity:</a:t>
-            </a:r>
-          </a:p>
-          <a:p>
-            <a:pPr lvl="1" eaLnBrk="1" hangingPunct="1"/>
-            <a:r>
-              <a:rPr lang="en-US" altLang="en-US" sz="2200" smtClean="0"/>
-              <a:t>If the primary key value of the tuple being deleted is referenced from other tuples in the database</a:t>
-            </a:r>
-          </a:p>
-          <a:p>
-            <a:pPr lvl="2" eaLnBrk="1" hangingPunct="1"/>
-            <a:r>
-              <a:rPr lang="en-US" altLang="en-US" sz="2000" smtClean="0"/>
-              <a:t>Can be remedied by several actions: RESTRICT, CASCADE, SET NULL (see Chapter 6 for more details)</a:t>
-            </a:r>
-          </a:p>
-          <a:p>
-            <a:pPr lvl="3" eaLnBrk="1" hangingPunct="1"/>
-            <a:r>
-              <a:rPr lang="en-US" altLang="en-US" sz="1800" smtClean="0"/>
-              <a:t>RESTRICT option: reject the deletion</a:t>
-            </a:r>
-          </a:p>
-          <a:p>
-            <a:pPr lvl="3" eaLnBrk="1" hangingPunct="1"/>
-            <a:r>
-              <a:rPr lang="en-US" altLang="en-US" sz="1800" smtClean="0"/>
-              <a:t>CASCADE option: propagate the new primary key value into the foreign keys of the referencing tuples</a:t>
-            </a:r>
-          </a:p>
-          <a:p>
-            <a:pPr lvl="3" eaLnBrk="1" hangingPunct="1"/>
-            <a:r>
-              <a:rPr lang="en-US" altLang="en-US" sz="1800" smtClean="0"/>
-              <a:t>SET NULL option: set the foreign keys of the referencing tuples to NULL</a:t>
-            </a:r>
-          </a:p>
-          <a:p>
-            <a:pPr lvl="1" eaLnBrk="1" hangingPunct="1"/>
-            <a:r>
-              <a:rPr lang="en-US" altLang="en-US" sz="2200" smtClean="0"/>
-              <a:t>One of the above options must be specified during database design for each foreign key constraint</a:t>
-            </a:r>
+            <a:pPr>
+              <a:lnSpc>
+                <a:spcPct val="150000"/>
+              </a:lnSpc>
+            </a:pPr>
+            <a:r>
+              <a:rPr lang="en-CA" sz="2400" dirty="0" smtClean="0"/>
+              <a:t>Discuss </a:t>
+            </a:r>
+            <a:r>
+              <a:rPr lang="en-CA" sz="2400" dirty="0"/>
+              <a:t>the characteristics of relations that make them different from </a:t>
+            </a:r>
+            <a:r>
+              <a:rPr lang="en-CA" sz="2400" dirty="0" smtClean="0"/>
+              <a:t>ordinary </a:t>
+            </a:r>
+            <a:r>
+              <a:rPr lang="en-CA" sz="2400" dirty="0"/>
+              <a:t>tables and files. </a:t>
+            </a:r>
+            <a:endParaRPr lang="en-CA" sz="2400" dirty="0" smtClean="0"/>
+          </a:p>
+          <a:p>
+            <a:pPr>
+              <a:lnSpc>
+                <a:spcPct val="150000"/>
+              </a:lnSpc>
+            </a:pPr>
+            <a:r>
+              <a:rPr lang="en-CA" sz="2400" dirty="0" smtClean="0"/>
+              <a:t>Discuss </a:t>
+            </a:r>
+            <a:r>
+              <a:rPr lang="en-CA" sz="2400" dirty="0"/>
+              <a:t>the various reasons that lead to the occurrence of NULL values in relations. </a:t>
+            </a:r>
+            <a:endParaRPr lang="en-CA" sz="2400" dirty="0" smtClean="0"/>
+          </a:p>
+          <a:p>
+            <a:pPr>
+              <a:lnSpc>
+                <a:spcPct val="150000"/>
+              </a:lnSpc>
+            </a:pPr>
+            <a:r>
+              <a:rPr lang="en-CA" sz="2400" dirty="0" smtClean="0"/>
+              <a:t>Discuss </a:t>
+            </a:r>
+            <a:r>
+              <a:rPr lang="en-CA" sz="2400" dirty="0"/>
+              <a:t>the entity integrity and referential integrity constraints. Why is each considered important? </a:t>
+            </a:r>
+            <a:endParaRPr lang="en-CA" sz="2400" dirty="0" smtClean="0"/>
+          </a:p>
+          <a:p>
+            <a:pPr>
+              <a:lnSpc>
+                <a:spcPct val="150000"/>
+              </a:lnSpc>
+            </a:pPr>
+            <a:r>
+              <a:rPr lang="en-CA" sz="2400" dirty="0" smtClean="0"/>
+              <a:t>Define </a:t>
+            </a:r>
+            <a:r>
+              <a:rPr lang="en-CA" sz="2400" dirty="0"/>
+              <a:t>foreign key. What is this concept used for? </a:t>
+            </a:r>
+            <a:endParaRPr lang="en-CA" sz="2400" dirty="0" smtClean="0"/>
+          </a:p>
+          <a:p>
+            <a:pPr>
+              <a:lnSpc>
+                <a:spcPct val="150000"/>
+              </a:lnSpc>
+            </a:pPr>
+            <a:r>
+              <a:rPr lang="en-CA" sz="2400" dirty="0" smtClean="0"/>
+              <a:t>What </a:t>
+            </a:r>
+            <a:r>
+              <a:rPr lang="en-CA" sz="2400" dirty="0"/>
+              <a:t>is a transaction? How does it differ from an Update operation?</a:t>
+            </a:r>
+            <a:endParaRPr lang="en-US" sz="2400" dirty="0"/>
           </a:p>
         </p:txBody>
       </p:sp>
     </p:spTree>
     <p:extLst>
       <p:ext uri="{BB962C8B-B14F-4D97-AF65-F5344CB8AC3E}">
-        <p14:creationId xmlns:p14="http://schemas.microsoft.com/office/powerpoint/2010/main" val="2903727518"/>
+        <p14:creationId xmlns:p14="http://schemas.microsoft.com/office/powerpoint/2010/main" val="3823204053"/>
       </p:ext>
     </p:extLst>
   </p:cSld>
@@ -36693,623 +36872,6 @@
       </p:grpSpPr>
       <p:sp>
         <p:nvSpPr>
-          <p:cNvPr id="86019" name="Rectangle 1026"/>
-          <p:cNvSpPr>
-            <a:spLocks noGrp="1" noChangeArrowheads="1"/>
-          </p:cNvSpPr>
-          <p:nvPr>
-            <p:ph type="title"/>
-          </p:nvPr>
-        </p:nvSpPr>
-        <p:spPr/>
-        <p:txBody>
-          <a:bodyPr/>
-          <a:lstStyle/>
-          <a:p>
-            <a:pPr eaLnBrk="1" hangingPunct="1"/>
-            <a:r>
-              <a:rPr lang="en-US" altLang="en-US" smtClean="0"/>
-              <a:t>Possible violations for each operation</a:t>
-            </a:r>
-          </a:p>
-        </p:txBody>
-      </p:sp>
-      <p:sp>
-        <p:nvSpPr>
-          <p:cNvPr id="86020" name="Rectangle 1027"/>
-          <p:cNvSpPr>
-            <a:spLocks noGrp="1" noChangeArrowheads="1"/>
-          </p:cNvSpPr>
-          <p:nvPr>
-            <p:ph type="body" idx="1"/>
-          </p:nvPr>
-        </p:nvSpPr>
-        <p:spPr/>
-        <p:txBody>
-          <a:bodyPr/>
-          <a:lstStyle/>
-          <a:p>
-            <a:pPr eaLnBrk="1" hangingPunct="1"/>
-            <a:r>
-              <a:rPr lang="en-US" altLang="en-US" sz="2400" dirty="0" smtClean="0"/>
-              <a:t>UPDATE may violate domain constraint and NOT NULL constraint on an attribute being modified</a:t>
-            </a:r>
-          </a:p>
-          <a:p>
-            <a:pPr eaLnBrk="1" hangingPunct="1"/>
-            <a:r>
-              <a:rPr lang="en-US" altLang="en-US" sz="2400" dirty="0" smtClean="0"/>
-              <a:t>Any of the other constraints may also be violated, depending on the attribute being updated:</a:t>
-            </a:r>
-          </a:p>
-          <a:p>
-            <a:pPr lvl="1" eaLnBrk="1" hangingPunct="1"/>
-            <a:r>
-              <a:rPr lang="en-US" altLang="en-US" sz="2200" dirty="0" smtClean="0"/>
-              <a:t>Updating the primary key (PK):</a:t>
-            </a:r>
-          </a:p>
-          <a:p>
-            <a:pPr lvl="2" eaLnBrk="1" hangingPunct="1"/>
-            <a:r>
-              <a:rPr lang="en-US" altLang="en-US" sz="2000" dirty="0" smtClean="0"/>
-              <a:t>Similar to a DELETE followed by an INSERT</a:t>
-            </a:r>
-          </a:p>
-          <a:p>
-            <a:pPr lvl="2" eaLnBrk="1" hangingPunct="1"/>
-            <a:r>
-              <a:rPr lang="en-US" altLang="en-US" sz="2000" dirty="0" smtClean="0"/>
-              <a:t>Need to specify similar options to DELETE</a:t>
-            </a:r>
-          </a:p>
-          <a:p>
-            <a:pPr lvl="1" eaLnBrk="1" hangingPunct="1"/>
-            <a:r>
-              <a:rPr lang="en-US" altLang="en-US" sz="2200" dirty="0" smtClean="0"/>
-              <a:t>Updating a foreign key (FK):</a:t>
-            </a:r>
-          </a:p>
-          <a:p>
-            <a:pPr lvl="2" eaLnBrk="1" hangingPunct="1"/>
-            <a:r>
-              <a:rPr lang="en-US" altLang="en-US" sz="2000" dirty="0" smtClean="0"/>
-              <a:t>May violate referential integrity</a:t>
-            </a:r>
-          </a:p>
-          <a:p>
-            <a:pPr lvl="1" eaLnBrk="1" hangingPunct="1"/>
-            <a:r>
-              <a:rPr lang="en-US" altLang="en-US" sz="2200" dirty="0" smtClean="0"/>
-              <a:t>Updating an ordinary attribute (neither PK nor FK):</a:t>
-            </a:r>
-          </a:p>
-          <a:p>
-            <a:pPr lvl="2" eaLnBrk="1" hangingPunct="1"/>
-            <a:r>
-              <a:rPr lang="en-US" altLang="en-US" sz="2000" dirty="0" smtClean="0"/>
-              <a:t>Can only violate domain constraints</a:t>
-            </a:r>
-          </a:p>
-        </p:txBody>
-      </p:sp>
-    </p:spTree>
-    <p:extLst>
-      <p:ext uri="{BB962C8B-B14F-4D97-AF65-F5344CB8AC3E}">
-        <p14:creationId xmlns:p14="http://schemas.microsoft.com/office/powerpoint/2010/main" val="1952475231"/>
-      </p:ext>
-    </p:extLst>
-  </p:cSld>
-  <p:clrMapOvr>
-    <a:masterClrMapping/>
-  </p:clrMapOvr>
-  <p:transition spd="med"/>
-  <p:timing>
-    <p:tnLst>
-      <p:par>
-        <p:cTn id="1" dur="indefinite" restart="never" nodeType="tmRoot"/>
-      </p:par>
-    </p:tnLst>
-  </p:timing>
-</p:sld>
-</file>
-
-<file path=ppt/slides/slide63.xml><?xml version="1.0" encoding="utf-8"?>
-<p:sld xmlns:a="http://schemas.openxmlformats.org/drawingml/2006/main" xmlns:r="http://schemas.openxmlformats.org/officeDocument/2006/relationships" xmlns:p="http://schemas.openxmlformats.org/presentationml/2006/main">
-  <p:cSld>
-    <p:spTree>
-      <p:nvGrpSpPr>
-        <p:cNvPr id="1" name=""/>
-        <p:cNvGrpSpPr/>
-        <p:nvPr/>
-      </p:nvGrpSpPr>
-      <p:grpSpPr>
-        <a:xfrm>
-          <a:off x="0" y="0"/>
-          <a:ext cx="0" cy="0"/>
-          <a:chOff x="0" y="0"/>
-          <a:chExt cx="0" cy="0"/>
-        </a:xfrm>
-      </p:grpSpPr>
-      <p:sp>
-        <p:nvSpPr>
-          <p:cNvPr id="87043" name="Rectangle 2"/>
-          <p:cNvSpPr>
-            <a:spLocks noGrp="1" noChangeArrowheads="1"/>
-          </p:cNvSpPr>
-          <p:nvPr>
-            <p:ph type="title"/>
-          </p:nvPr>
-        </p:nvSpPr>
-        <p:spPr/>
-        <p:txBody>
-          <a:bodyPr/>
-          <a:lstStyle/>
-          <a:p>
-            <a:pPr eaLnBrk="1" hangingPunct="1"/>
-            <a:r>
-              <a:rPr lang="en-US" altLang="en-US" smtClean="0"/>
-              <a:t>Summary</a:t>
-            </a:r>
-          </a:p>
-        </p:txBody>
-      </p:sp>
-      <p:sp>
-        <p:nvSpPr>
-          <p:cNvPr id="87044" name="Rectangle 3"/>
-          <p:cNvSpPr>
-            <a:spLocks noGrp="1" noChangeArrowheads="1"/>
-          </p:cNvSpPr>
-          <p:nvPr>
-            <p:ph type="body" idx="1"/>
-          </p:nvPr>
-        </p:nvSpPr>
-        <p:spPr/>
-        <p:txBody>
-          <a:bodyPr/>
-          <a:lstStyle/>
-          <a:p>
-            <a:pPr eaLnBrk="1" hangingPunct="1"/>
-            <a:r>
-              <a:rPr lang="en-US" altLang="en-US" sz="2400" dirty="0" smtClean="0"/>
-              <a:t>Presented Relational Model Concepts</a:t>
-            </a:r>
-          </a:p>
-          <a:p>
-            <a:pPr lvl="1" eaLnBrk="1" hangingPunct="1"/>
-            <a:r>
-              <a:rPr lang="en-US" altLang="en-US" sz="2200" dirty="0" smtClean="0"/>
-              <a:t>Definitions</a:t>
-            </a:r>
-          </a:p>
-          <a:p>
-            <a:pPr lvl="1" eaLnBrk="1" hangingPunct="1"/>
-            <a:r>
-              <a:rPr lang="en-US" altLang="en-US" sz="2200" dirty="0" smtClean="0"/>
-              <a:t>Characteristics of relations</a:t>
-            </a:r>
-          </a:p>
-          <a:p>
-            <a:pPr eaLnBrk="1" hangingPunct="1"/>
-            <a:r>
-              <a:rPr lang="en-US" altLang="en-US" sz="2400" dirty="0" smtClean="0"/>
-              <a:t>Discussed Relational Model Constraints and Relational Database Schemas</a:t>
-            </a:r>
-          </a:p>
-          <a:p>
-            <a:pPr lvl="1" eaLnBrk="1" hangingPunct="1"/>
-            <a:r>
-              <a:rPr lang="en-US" altLang="en-US" sz="2200" dirty="0" smtClean="0"/>
-              <a:t>Domain constraints </a:t>
-            </a:r>
-          </a:p>
-          <a:p>
-            <a:pPr lvl="1" eaLnBrk="1" hangingPunct="1"/>
-            <a:r>
-              <a:rPr lang="en-US" altLang="en-US" sz="2200" dirty="0" smtClean="0"/>
-              <a:t>Key constraints</a:t>
-            </a:r>
-          </a:p>
-          <a:p>
-            <a:pPr lvl="1" eaLnBrk="1" hangingPunct="1"/>
-            <a:r>
-              <a:rPr lang="en-US" altLang="en-US" sz="2200" dirty="0" smtClean="0"/>
-              <a:t>Entity integrity</a:t>
-            </a:r>
-          </a:p>
-          <a:p>
-            <a:pPr lvl="1" eaLnBrk="1" hangingPunct="1"/>
-            <a:r>
-              <a:rPr lang="en-US" altLang="en-US" sz="2200" dirty="0" smtClean="0"/>
-              <a:t>Referential integrity</a:t>
-            </a:r>
-          </a:p>
-          <a:p>
-            <a:pPr eaLnBrk="1" hangingPunct="1"/>
-            <a:r>
-              <a:rPr lang="en-US" altLang="en-US" sz="2400" dirty="0" smtClean="0"/>
-              <a:t>Described the Relational Update Operations and Dealing with Constraint Violations</a:t>
-            </a:r>
-          </a:p>
-          <a:p>
-            <a:pPr eaLnBrk="1" hangingPunct="1"/>
-            <a:endParaRPr lang="en-US" altLang="en-US" sz="2400" dirty="0" smtClean="0"/>
-          </a:p>
-        </p:txBody>
-      </p:sp>
-    </p:spTree>
-    <p:extLst>
-      <p:ext uri="{BB962C8B-B14F-4D97-AF65-F5344CB8AC3E}">
-        <p14:creationId xmlns:p14="http://schemas.microsoft.com/office/powerpoint/2010/main" val="1115962713"/>
-      </p:ext>
-    </p:extLst>
-  </p:cSld>
-  <p:clrMapOvr>
-    <a:masterClrMapping/>
-  </p:clrMapOvr>
-  <p:transition spd="med"/>
-  <p:timing>
-    <p:tnLst>
-      <p:par>
-        <p:cTn id="1" dur="indefinite" restart="never" nodeType="tmRoot"/>
-      </p:par>
-    </p:tnLst>
-  </p:timing>
-</p:sld>
-</file>
-
-<file path=ppt/slides/slide64.xml><?xml version="1.0" encoding="utf-8"?>
-<p:sld xmlns:a="http://schemas.openxmlformats.org/drawingml/2006/main" xmlns:r="http://schemas.openxmlformats.org/officeDocument/2006/relationships" xmlns:p="http://schemas.openxmlformats.org/presentationml/2006/main">
-  <p:cSld>
-    <p:spTree>
-      <p:nvGrpSpPr>
-        <p:cNvPr id="1" name=""/>
-        <p:cNvGrpSpPr/>
-        <p:nvPr/>
-      </p:nvGrpSpPr>
-      <p:grpSpPr>
-        <a:xfrm>
-          <a:off x="0" y="0"/>
-          <a:ext cx="0" cy="0"/>
-          <a:chOff x="0" y="0"/>
-          <a:chExt cx="0" cy="0"/>
-        </a:xfrm>
-      </p:grpSpPr>
-      <p:sp>
-        <p:nvSpPr>
-          <p:cNvPr id="2" name="Title 1"/>
-          <p:cNvSpPr>
-            <a:spLocks noGrp="1"/>
-          </p:cNvSpPr>
-          <p:nvPr>
-            <p:ph type="title"/>
-          </p:nvPr>
-        </p:nvSpPr>
-        <p:spPr/>
-        <p:txBody>
-          <a:bodyPr/>
-          <a:lstStyle/>
-          <a:p>
-            <a:r>
-              <a:rPr lang="en-US" dirty="0" smtClean="0"/>
-              <a:t>Review Questions</a:t>
-            </a:r>
-            <a:endParaRPr lang="en-US" dirty="0"/>
-          </a:p>
-        </p:txBody>
-      </p:sp>
-      <p:sp>
-        <p:nvSpPr>
-          <p:cNvPr id="3" name="Content Placeholder 2"/>
-          <p:cNvSpPr>
-            <a:spLocks noGrp="1"/>
-          </p:cNvSpPr>
-          <p:nvPr>
-            <p:ph idx="1"/>
-          </p:nvPr>
-        </p:nvSpPr>
-        <p:spPr/>
-        <p:txBody>
-          <a:bodyPr/>
-          <a:lstStyle/>
-          <a:p>
-            <a:r>
-              <a:rPr lang="en-CA" sz="2400" dirty="0" smtClean="0"/>
-              <a:t>Define </a:t>
-            </a:r>
-            <a:r>
-              <a:rPr lang="en-CA" sz="2400" dirty="0"/>
-              <a:t>the following terms as they apply to the relational model of data: </a:t>
-            </a:r>
-            <a:endParaRPr lang="en-CA" sz="2400" dirty="0" smtClean="0"/>
-          </a:p>
-          <a:p>
-            <a:pPr lvl="1"/>
-            <a:r>
-              <a:rPr lang="en-CA" sz="2200" dirty="0" smtClean="0"/>
-              <a:t>domain</a:t>
-            </a:r>
-            <a:r>
-              <a:rPr lang="en-CA" sz="2200" dirty="0"/>
-              <a:t>, attribute, n-tuple, relation schema, relation state, degree of a </a:t>
-            </a:r>
-            <a:r>
-              <a:rPr lang="en-CA" sz="2200" dirty="0" smtClean="0"/>
-              <a:t>relation</a:t>
-            </a:r>
-            <a:r>
-              <a:rPr lang="en-CA" sz="2200" dirty="0"/>
-              <a:t>, relational database schema, and relational database state. </a:t>
-            </a:r>
-            <a:endParaRPr lang="en-CA" sz="2200" dirty="0" smtClean="0"/>
-          </a:p>
-          <a:p>
-            <a:r>
-              <a:rPr lang="en-CA" sz="2400" dirty="0" smtClean="0"/>
-              <a:t>Why </a:t>
-            </a:r>
-            <a:r>
-              <a:rPr lang="en-CA" sz="2400" dirty="0"/>
-              <a:t>are tuples in a relation not ordered? </a:t>
-            </a:r>
-            <a:endParaRPr lang="en-CA" sz="2400" dirty="0" smtClean="0"/>
-          </a:p>
-          <a:p>
-            <a:r>
-              <a:rPr lang="en-CA" sz="2400" dirty="0" smtClean="0"/>
-              <a:t>Why </a:t>
-            </a:r>
-            <a:r>
-              <a:rPr lang="en-CA" sz="2400" dirty="0"/>
-              <a:t>are duplicate tuples not allowed in a relation? </a:t>
-            </a:r>
-            <a:endParaRPr lang="en-CA" sz="2400" dirty="0" smtClean="0"/>
-          </a:p>
-          <a:p>
-            <a:r>
-              <a:rPr lang="en-CA" sz="2400" dirty="0" smtClean="0"/>
-              <a:t>What </a:t>
-            </a:r>
-            <a:r>
-              <a:rPr lang="en-CA" sz="2400" dirty="0"/>
-              <a:t>is the difference between a key and a </a:t>
-            </a:r>
-            <a:r>
-              <a:rPr lang="en-CA" sz="2400" dirty="0" err="1"/>
-              <a:t>superkey</a:t>
-            </a:r>
-            <a:r>
-              <a:rPr lang="en-CA" sz="2400" dirty="0"/>
-              <a:t>? </a:t>
-            </a:r>
-            <a:endParaRPr lang="en-CA" sz="2400" dirty="0" smtClean="0"/>
-          </a:p>
-          <a:p>
-            <a:r>
-              <a:rPr lang="en-CA" sz="2400" dirty="0" smtClean="0"/>
-              <a:t>Why </a:t>
-            </a:r>
-            <a:r>
-              <a:rPr lang="en-CA" sz="2400" dirty="0"/>
-              <a:t>do we designate one of the candidate keys of a relation to be the </a:t>
-            </a:r>
-            <a:r>
-              <a:rPr lang="en-CA" sz="2400" dirty="0" smtClean="0"/>
-              <a:t>primary </a:t>
-            </a:r>
-            <a:r>
-              <a:rPr lang="en-CA" sz="2400" dirty="0"/>
-              <a:t>key? </a:t>
-            </a:r>
-            <a:endParaRPr lang="en-CA" sz="2400" dirty="0" smtClean="0"/>
-          </a:p>
-        </p:txBody>
-      </p:sp>
-    </p:spTree>
-    <p:extLst>
-      <p:ext uri="{BB962C8B-B14F-4D97-AF65-F5344CB8AC3E}">
-        <p14:creationId xmlns:p14="http://schemas.microsoft.com/office/powerpoint/2010/main" val="979361713"/>
-      </p:ext>
-    </p:extLst>
-  </p:cSld>
-  <p:clrMapOvr>
-    <a:masterClrMapping/>
-  </p:clrMapOvr>
-  <p:transition spd="med"/>
-  <p:timing>
-    <p:tnLst>
-      <p:par>
-        <p:cTn id="1" dur="indefinite" restart="never" nodeType="tmRoot"/>
-      </p:par>
-    </p:tnLst>
-  </p:timing>
-</p:sld>
-</file>
-
-<file path=ppt/slides/slide65.xml><?xml version="1.0" encoding="utf-8"?>
-<p:sld xmlns:a="http://schemas.openxmlformats.org/drawingml/2006/main" xmlns:r="http://schemas.openxmlformats.org/officeDocument/2006/relationships" xmlns:p="http://schemas.openxmlformats.org/presentationml/2006/main">
-  <p:cSld>
-    <p:spTree>
-      <p:nvGrpSpPr>
-        <p:cNvPr id="1" name=""/>
-        <p:cNvGrpSpPr/>
-        <p:nvPr/>
-      </p:nvGrpSpPr>
-      <p:grpSpPr>
-        <a:xfrm>
-          <a:off x="0" y="0"/>
-          <a:ext cx="0" cy="0"/>
-          <a:chOff x="0" y="0"/>
-          <a:chExt cx="0" cy="0"/>
-        </a:xfrm>
-      </p:grpSpPr>
-      <p:sp>
-        <p:nvSpPr>
-          <p:cNvPr id="2" name="Title 1"/>
-          <p:cNvSpPr>
-            <a:spLocks noGrp="1"/>
-          </p:cNvSpPr>
-          <p:nvPr>
-            <p:ph type="title"/>
-          </p:nvPr>
-        </p:nvSpPr>
-        <p:spPr/>
-        <p:txBody>
-          <a:bodyPr/>
-          <a:lstStyle/>
-          <a:p>
-            <a:r>
-              <a:rPr lang="en-US" dirty="0" smtClean="0"/>
-              <a:t>Review Questions</a:t>
-            </a:r>
-            <a:endParaRPr lang="en-US" dirty="0"/>
-          </a:p>
-        </p:txBody>
-      </p:sp>
-      <p:sp>
-        <p:nvSpPr>
-          <p:cNvPr id="3" name="Content Placeholder 2"/>
-          <p:cNvSpPr>
-            <a:spLocks noGrp="1"/>
-          </p:cNvSpPr>
-          <p:nvPr>
-            <p:ph idx="1"/>
-          </p:nvPr>
-        </p:nvSpPr>
-        <p:spPr/>
-        <p:txBody>
-          <a:bodyPr/>
-          <a:lstStyle/>
-          <a:p>
-            <a:pPr>
-              <a:lnSpc>
-                <a:spcPct val="150000"/>
-              </a:lnSpc>
-            </a:pPr>
-            <a:r>
-              <a:rPr lang="en-CA" sz="2400" dirty="0" smtClean="0"/>
-              <a:t>Discuss </a:t>
-            </a:r>
-            <a:r>
-              <a:rPr lang="en-CA" sz="2400" dirty="0"/>
-              <a:t>the characteristics of relations that make them different from </a:t>
-            </a:r>
-            <a:r>
-              <a:rPr lang="en-CA" sz="2400" dirty="0" smtClean="0"/>
-              <a:t>ordinary </a:t>
-            </a:r>
-            <a:r>
-              <a:rPr lang="en-CA" sz="2400" dirty="0"/>
-              <a:t>tables and files. </a:t>
-            </a:r>
-            <a:endParaRPr lang="en-CA" sz="2400" dirty="0" smtClean="0"/>
-          </a:p>
-          <a:p>
-            <a:pPr>
-              <a:lnSpc>
-                <a:spcPct val="150000"/>
-              </a:lnSpc>
-            </a:pPr>
-            <a:r>
-              <a:rPr lang="en-CA" sz="2400" dirty="0" smtClean="0"/>
-              <a:t>Discuss </a:t>
-            </a:r>
-            <a:r>
-              <a:rPr lang="en-CA" sz="2400" dirty="0"/>
-              <a:t>the various reasons that lead to the occurrence of NULL values in relations. </a:t>
-            </a:r>
-            <a:endParaRPr lang="en-CA" sz="2400" dirty="0" smtClean="0"/>
-          </a:p>
-          <a:p>
-            <a:pPr>
-              <a:lnSpc>
-                <a:spcPct val="150000"/>
-              </a:lnSpc>
-            </a:pPr>
-            <a:r>
-              <a:rPr lang="en-CA" sz="2400" dirty="0" smtClean="0"/>
-              <a:t>Discuss </a:t>
-            </a:r>
-            <a:r>
-              <a:rPr lang="en-CA" sz="2400" dirty="0"/>
-              <a:t>the entity integrity and referential integrity constraints. Why is each considered important? </a:t>
-            </a:r>
-            <a:endParaRPr lang="en-CA" sz="2400" dirty="0" smtClean="0"/>
-          </a:p>
-          <a:p>
-            <a:pPr>
-              <a:lnSpc>
-                <a:spcPct val="150000"/>
-              </a:lnSpc>
-            </a:pPr>
-            <a:r>
-              <a:rPr lang="en-CA" sz="2400" dirty="0" smtClean="0"/>
-              <a:t>Define </a:t>
-            </a:r>
-            <a:r>
-              <a:rPr lang="en-CA" sz="2400" dirty="0"/>
-              <a:t>foreign key. What is this concept used for? </a:t>
-            </a:r>
-            <a:endParaRPr lang="en-CA" sz="2400" dirty="0" smtClean="0"/>
-          </a:p>
-          <a:p>
-            <a:pPr>
-              <a:lnSpc>
-                <a:spcPct val="150000"/>
-              </a:lnSpc>
-            </a:pPr>
-            <a:r>
-              <a:rPr lang="en-CA" sz="2400" dirty="0" smtClean="0"/>
-              <a:t>What </a:t>
-            </a:r>
-            <a:r>
-              <a:rPr lang="en-CA" sz="2400" dirty="0"/>
-              <a:t>is a transaction? How does it differ from an Update operation?</a:t>
-            </a:r>
-            <a:endParaRPr lang="en-US" sz="2400" dirty="0"/>
-          </a:p>
-        </p:txBody>
-      </p:sp>
-    </p:spTree>
-    <p:extLst>
-      <p:ext uri="{BB962C8B-B14F-4D97-AF65-F5344CB8AC3E}">
-        <p14:creationId xmlns:p14="http://schemas.microsoft.com/office/powerpoint/2010/main" val="3823204053"/>
-      </p:ext>
-    </p:extLst>
-  </p:cSld>
-  <p:clrMapOvr>
-    <a:masterClrMapping/>
-  </p:clrMapOvr>
-  <p:transition spd="med"/>
-  <p:timing>
-    <p:tnLst>
-      <p:par>
-        <p:cTn id="1" dur="indefinite" restart="never" nodeType="tmRoot"/>
-      </p:par>
-    </p:tnLst>
-  </p:timing>
-</p:sld>
-</file>
-
-<file path=ppt/slides/slide66.xml><?xml version="1.0" encoding="utf-8"?>
-<p:sld xmlns:a="http://schemas.openxmlformats.org/drawingml/2006/main" xmlns:r="http://schemas.openxmlformats.org/officeDocument/2006/relationships" xmlns:p="http://schemas.openxmlformats.org/presentationml/2006/main">
-  <p:cSld>
-    <p:spTree>
-      <p:nvGrpSpPr>
-        <p:cNvPr id="1" name=""/>
-        <p:cNvGrpSpPr/>
-        <p:nvPr/>
-      </p:nvGrpSpPr>
-      <p:grpSpPr>
-        <a:xfrm>
-          <a:off x="0" y="0"/>
-          <a:ext cx="0" cy="0"/>
-          <a:chOff x="0" y="0"/>
-          <a:chExt cx="0" cy="0"/>
-        </a:xfrm>
-      </p:grpSpPr>
-      <p:sp>
-        <p:nvSpPr>
           <p:cNvPr id="89091" name="Rectangle 5"/>
           <p:cNvSpPr>
             <a:spLocks noGrp="1" noChangeArrowheads="1"/>
@@ -37321,7 +36883,7 @@
         <p:spPr>
           <a:xfrm>
             <a:off x="11574" y="-33197"/>
-            <a:ext cx="9132425" cy="720725"/>
+            <a:ext cx="9132425" cy="566597"/>
           </a:xfrm>
         </p:spPr>
         <p:txBody>
@@ -37330,7 +36892,7 @@
           <a:p>
             <a:pPr eaLnBrk="1" hangingPunct="1"/>
             <a:r>
-              <a:rPr lang="en-US" altLang="en-US" smtClean="0"/>
+              <a:rPr lang="en-US" altLang="en-US" sz="3200" dirty="0" smtClean="0"/>
               <a:t>In-Class Exercise</a:t>
             </a:r>
           </a:p>
@@ -37346,7 +36908,7 @@
         </p:nvSpPr>
         <p:spPr bwMode="auto">
           <a:xfrm>
-            <a:off x="111246" y="1223665"/>
+            <a:off x="94686" y="1071112"/>
             <a:ext cx="8966200" cy="4827284"/>
           </a:xfrm>
           <a:prstGeom prst="rect">
@@ -37852,8 +37414,8 @@
         </p:nvSpPr>
         <p:spPr>
           <a:xfrm>
-            <a:off x="11575" y="6151417"/>
-            <a:ext cx="8964271" cy="830997"/>
+            <a:off x="94686" y="6020609"/>
+            <a:ext cx="8966200" cy="830997"/>
           </a:xfrm>
           <a:prstGeom prst="rect">
             <a:avLst/>
@@ -37891,8 +37453,8 @@
         </p:nvSpPr>
         <p:spPr>
           <a:xfrm>
-            <a:off x="101600" y="762000"/>
-            <a:ext cx="3561552" cy="461665"/>
+            <a:off x="13883" y="565727"/>
+            <a:ext cx="3716723" cy="461665"/>
           </a:xfrm>
           <a:prstGeom prst="rect">
             <a:avLst/>
@@ -37914,18 +37476,18 @@
               <a:buNone/>
             </a:pPr>
             <a:r>
-              <a:rPr lang="en-US" altLang="en-US" dirty="0">
+              <a:rPr lang="en-US" altLang="en-US" b="1" dirty="0">
                 <a:latin typeface="Times New Roman" panose="02020603050405020304" pitchFamily="18" charset="0"/>
               </a:rPr>
               <a:t>(Taken from Exercise </a:t>
             </a:r>
             <a:r>
-              <a:rPr lang="en-US" altLang="en-US" dirty="0" smtClean="0">
+              <a:rPr lang="en-US" altLang="en-US" b="1" dirty="0" smtClean="0">
                 <a:latin typeface="Times New Roman" panose="02020603050405020304" pitchFamily="18" charset="0"/>
               </a:rPr>
               <a:t>5.16)</a:t>
             </a:r>
-            <a:endParaRPr lang="en-US" altLang="en-US" dirty="0">
+            <a:endParaRPr lang="en-US" altLang="en-US" b="1" dirty="0">
               <a:latin typeface="Times New Roman" panose="02020603050405020304" pitchFamily="18" charset="0"/>
             </a:endParaRPr>
           </a:p>
@@ -38563,7 +38125,7 @@
           <a:blip r:embed="rId2">
             <a:extLst>
               <a:ext uri="{96DAC541-7B7A-43D3-8B79-37D633B846F1}">
-                <asvg:svgBlip xmlns="" xmlns:asvg="http://schemas.microsoft.com/office/drawing/2016/SVG/main" r:embed="rId3"/>
+                <asvg:svgBlip xmlns:asvg="http://schemas.microsoft.com/office/drawing/2016/SVG/main" xmlns="" r:embed="rId3"/>
               </a:ext>
             </a:extLst>
           </a:blip>
